--- a/자바심화PPT과제/자바심화 4강.pptx
+++ b/자바심화PPT과제/자바심화 4강.pptx
@@ -6,21 +6,18 @@
   </p:sldMasterIdLst>
   <p:sldIdLst>
     <p:sldId id="256" r:id="rId2"/>
-    <p:sldId id="271" r:id="rId3"/>
-    <p:sldId id="272" r:id="rId4"/>
-    <p:sldId id="273" r:id="rId5"/>
-    <p:sldId id="274" r:id="rId6"/>
-    <p:sldId id="275" r:id="rId7"/>
-    <p:sldId id="276" r:id="rId8"/>
-    <p:sldId id="277" r:id="rId9"/>
-    <p:sldId id="278" r:id="rId10"/>
-    <p:sldId id="279" r:id="rId11"/>
-    <p:sldId id="280" r:id="rId12"/>
-    <p:sldId id="281" r:id="rId13"/>
-    <p:sldId id="282" r:id="rId14"/>
-    <p:sldId id="283" r:id="rId15"/>
-    <p:sldId id="284" r:id="rId16"/>
-    <p:sldId id="285" r:id="rId17"/>
+    <p:sldId id="272" r:id="rId3"/>
+    <p:sldId id="273" r:id="rId4"/>
+    <p:sldId id="275" r:id="rId5"/>
+    <p:sldId id="276" r:id="rId6"/>
+    <p:sldId id="277" r:id="rId7"/>
+    <p:sldId id="278" r:id="rId8"/>
+    <p:sldId id="279" r:id="rId9"/>
+    <p:sldId id="280" r:id="rId10"/>
+    <p:sldId id="281" r:id="rId11"/>
+    <p:sldId id="282" r:id="rId12"/>
+    <p:sldId id="283" r:id="rId13"/>
+    <p:sldId id="284" r:id="rId14"/>
   </p:sldIdLst>
   <p:sldSz cx="12192000" cy="6858000"/>
   <p:notesSz cx="6858000" cy="9144000"/>
@@ -3487,10 +3484,6 @@
               </a:rPr>
               <a:t>2023.03.21</a:t>
             </a:r>
-            <a:endParaRPr lang="en-US" altLang="ko-KR" sz="3200" dirty="0" smtClean="0">
-              <a:latin typeface="+mj-ea"/>
-              <a:ea typeface="+mj-ea"/>
-            </a:endParaRPr>
           </a:p>
         </p:txBody>
       </p:sp>
@@ -3531,9 +3524,36 @@
           <a:chExt cx="0" cy="0"/>
         </a:xfrm>
       </p:grpSpPr>
+      <p:sp>
+        <p:nvSpPr>
+          <p:cNvPr id="2" name="제목 1"/>
+          <p:cNvSpPr>
+            <a:spLocks noGrp="1"/>
+          </p:cNvSpPr>
+          <p:nvPr>
+            <p:ph type="title"/>
+          </p:nvPr>
+        </p:nvSpPr>
+        <p:spPr>
+          <a:xfrm>
+            <a:off x="1143000" y="609600"/>
+            <a:ext cx="9875520" cy="984738"/>
+          </a:xfrm>
+        </p:spPr>
+        <p:txBody>
+          <a:bodyPr>
+            <a:normAutofit/>
+          </a:bodyPr>
+          <a:lstStyle/>
+          <a:p>
+            <a:pPr algn="ctr"/>
+            <a:endParaRPr lang="ko-KR" altLang="en-US" sz="4000" dirty="0"/>
+          </a:p>
+        </p:txBody>
+      </p:sp>
       <p:pic>
         <p:nvPicPr>
-          <p:cNvPr id="6" name="그림 5"/>
+          <p:cNvPr id="3" name="그림 2"/>
           <p:cNvPicPr>
             <a:picLocks noChangeAspect="1"/>
           </p:cNvPicPr>
@@ -3547,8 +3567,8 @@
         </p:blipFill>
         <p:spPr>
           <a:xfrm>
-            <a:off x="440602" y="4308168"/>
-            <a:ext cx="8400662" cy="2205333"/>
+            <a:off x="549513" y="426654"/>
+            <a:ext cx="10369043" cy="3839699"/>
           </a:xfrm>
           <a:prstGeom prst="rect">
             <a:avLst/>
@@ -3557,7 +3577,7 @@
       </p:pic>
       <p:pic>
         <p:nvPicPr>
-          <p:cNvPr id="9" name="그림 8"/>
+          <p:cNvPr id="4" name="그림 3"/>
           <p:cNvPicPr>
             <a:picLocks noChangeAspect="1"/>
           </p:cNvPicPr>
@@ -3571,8 +3591,8 @@
         </p:blipFill>
         <p:spPr>
           <a:xfrm>
-            <a:off x="440602" y="424395"/>
-            <a:ext cx="9170483" cy="3652539"/>
+            <a:off x="549513" y="4266352"/>
+            <a:ext cx="9016518" cy="2329495"/>
           </a:xfrm>
           <a:prstGeom prst="rect">
             <a:avLst/>
@@ -3581,7 +3601,7 @@
       </p:pic>
       <p:sp>
         <p:nvSpPr>
-          <p:cNvPr id="8" name="제목 1"/>
+          <p:cNvPr id="5" name="제목 1"/>
           <p:cNvSpPr txBox="1">
             <a:spLocks/>
           </p:cNvSpPr>
@@ -3589,8 +3609,8 @@
         </p:nvSpPr>
         <p:spPr>
           <a:xfrm>
-            <a:off x="7608369" y="424395"/>
-            <a:ext cx="4583631" cy="984738"/>
+            <a:off x="9190892" y="1955487"/>
+            <a:ext cx="2625382" cy="1428872"/>
           </a:xfrm>
           <a:prstGeom prst="rect">
             <a:avLst/>
@@ -3622,7 +3642,7 @@
           <a:p>
             <a:pPr algn="ctr"/>
             <a:r>
-              <a:rPr lang="ko-KR" altLang="en-US" sz="4000" dirty="0" smtClean="0"/>
+              <a:rPr lang="ko-KR" altLang="en-US" sz="4000" smtClean="0"/>
               <a:t>달력 찍기</a:t>
             </a:r>
             <a:endParaRPr lang="ko-KR" altLang="en-US" sz="4000" dirty="0"/>
@@ -3632,13 +3652,20 @@
     </p:spTree>
     <p:extLst>
       <p:ext uri="{BB962C8B-B14F-4D97-AF65-F5344CB8AC3E}">
-        <p14:creationId xmlns:p14="http://schemas.microsoft.com/office/powerpoint/2010/main" val="3587628159"/>
+        <p14:creationId xmlns:p14="http://schemas.microsoft.com/office/powerpoint/2010/main" val="2828608319"/>
       </p:ext>
     </p:extLst>
   </p:cSld>
   <p:clrMapOvr>
     <a:masterClrMapping/>
   </p:clrMapOvr>
+  <p:timing>
+    <p:tnLst>
+      <p:par>
+        <p:cTn id="1" dur="indefinite" restart="never" nodeType="tmRoot"/>
+      </p:par>
+    </p:tnLst>
+  </p:timing>
 </p:sld>
 </file>
 
@@ -3661,57 +3688,34 @@
       </p:grpSpPr>
       <p:sp>
         <p:nvSpPr>
-          <p:cNvPr id="5" name="제목 1"/>
-          <p:cNvSpPr txBox="1">
-            <a:spLocks/>
-          </p:cNvSpPr>
-          <p:nvPr/>
-        </p:nvSpPr>
-        <p:spPr>
-          <a:xfrm>
-            <a:off x="6880951" y="507986"/>
-            <a:ext cx="4583631" cy="984738"/>
-          </a:xfrm>
-          <a:prstGeom prst="rect">
-            <a:avLst/>
-          </a:prstGeom>
-        </p:spPr>
-        <p:txBody>
-          <a:bodyPr vert="horz" lIns="91440" tIns="45720" rIns="91440" bIns="45720" rtlCol="0" anchor="ctr">
+          <p:cNvPr id="2" name="제목 1"/>
+          <p:cNvSpPr>
+            <a:spLocks noGrp="1"/>
+          </p:cNvSpPr>
+          <p:nvPr>
+            <p:ph type="title"/>
+          </p:nvPr>
+        </p:nvSpPr>
+        <p:spPr>
+          <a:xfrm>
+            <a:off x="1143000" y="609600"/>
+            <a:ext cx="9875520" cy="984738"/>
+          </a:xfrm>
+        </p:spPr>
+        <p:txBody>
+          <a:bodyPr>
             <a:normAutofit/>
           </a:bodyPr>
-          <a:lstStyle>
-            <a:lvl1pPr algn="l" defTabSz="914400" rtl="0" eaLnBrk="1" latinLnBrk="1" hangingPunct="1">
-              <a:lnSpc>
-                <a:spcPct val="90000"/>
-              </a:lnSpc>
-              <a:spcBef>
-                <a:spcPct val="0"/>
-              </a:spcBef>
-              <a:buNone/>
-              <a:defRPr sz="4400" kern="1200">
-                <a:solidFill>
-                  <a:schemeClr val="accent1"/>
-                </a:solidFill>
-                <a:latin typeface="+mj-lt"/>
-                <a:ea typeface="+mj-ea"/>
-                <a:cs typeface="+mj-cs"/>
-              </a:defRPr>
-            </a:lvl1pPr>
-          </a:lstStyle>
+          <a:lstStyle/>
           <a:p>
             <a:pPr algn="ctr"/>
-            <a:r>
-              <a:rPr lang="ko-KR" altLang="en-US" sz="4000" smtClean="0"/>
-              <a:t>달력 찍기</a:t>
-            </a:r>
             <a:endParaRPr lang="ko-KR" altLang="en-US" sz="4000" dirty="0"/>
           </a:p>
         </p:txBody>
       </p:sp>
       <p:pic>
         <p:nvPicPr>
-          <p:cNvPr id="6" name="그림 5"/>
+          <p:cNvPr id="3" name="그림 2"/>
           <p:cNvPicPr>
             <a:picLocks noChangeAspect="1"/>
           </p:cNvPicPr>
@@ -3725,8 +3729,8 @@
         </p:blipFill>
         <p:spPr>
           <a:xfrm>
-            <a:off x="305424" y="272304"/>
-            <a:ext cx="7874065" cy="3912953"/>
+            <a:off x="736543" y="609601"/>
+            <a:ext cx="8407457" cy="3237194"/>
           </a:xfrm>
           <a:prstGeom prst="rect">
             <a:avLst/>
@@ -3735,7 +3739,7 @@
       </p:pic>
       <p:pic>
         <p:nvPicPr>
-          <p:cNvPr id="7" name="그림 6"/>
+          <p:cNvPr id="4" name="그림 3"/>
           <p:cNvPicPr>
             <a:picLocks noChangeAspect="1"/>
           </p:cNvPicPr>
@@ -3749,8 +3753,128 @@
         </p:blipFill>
         <p:spPr>
           <a:xfrm>
-            <a:off x="4096896" y="4185257"/>
-            <a:ext cx="7705637" cy="2410185"/>
+            <a:off x="736544" y="3846795"/>
+            <a:ext cx="1237727" cy="2600898"/>
+          </a:xfrm>
+          <a:prstGeom prst="rect">
+            <a:avLst/>
+          </a:prstGeom>
+        </p:spPr>
+      </p:pic>
+      <p:pic>
+        <p:nvPicPr>
+          <p:cNvPr id="5" name="그림 4"/>
+          <p:cNvPicPr>
+            <a:picLocks noChangeAspect="1"/>
+          </p:cNvPicPr>
+          <p:nvPr/>
+        </p:nvPicPr>
+        <p:blipFill>
+          <a:blip r:embed="rId4"/>
+          <a:stretch>
+            <a:fillRect/>
+          </a:stretch>
+        </p:blipFill>
+        <p:spPr>
+          <a:xfrm>
+            <a:off x="1974271" y="3846795"/>
+            <a:ext cx="1190960" cy="2628619"/>
+          </a:xfrm>
+          <a:prstGeom prst="rect">
+            <a:avLst/>
+          </a:prstGeom>
+        </p:spPr>
+      </p:pic>
+      <p:pic>
+        <p:nvPicPr>
+          <p:cNvPr id="6" name="그림 5"/>
+          <p:cNvPicPr>
+            <a:picLocks noChangeAspect="1"/>
+          </p:cNvPicPr>
+          <p:nvPr/>
+        </p:nvPicPr>
+        <p:blipFill>
+          <a:blip r:embed="rId5"/>
+          <a:stretch>
+            <a:fillRect/>
+          </a:stretch>
+        </p:blipFill>
+        <p:spPr>
+          <a:xfrm>
+            <a:off x="3211998" y="3846796"/>
+            <a:ext cx="1360002" cy="2650704"/>
+          </a:xfrm>
+          <a:prstGeom prst="rect">
+            <a:avLst/>
+          </a:prstGeom>
+        </p:spPr>
+      </p:pic>
+      <p:pic>
+        <p:nvPicPr>
+          <p:cNvPr id="7" name="그림 6"/>
+          <p:cNvPicPr>
+            <a:picLocks noChangeAspect="1"/>
+          </p:cNvPicPr>
+          <p:nvPr/>
+        </p:nvPicPr>
+        <p:blipFill>
+          <a:blip r:embed="rId6"/>
+          <a:stretch>
+            <a:fillRect/>
+          </a:stretch>
+        </p:blipFill>
+        <p:spPr>
+          <a:xfrm>
+            <a:off x="4618767" y="3846795"/>
+            <a:ext cx="1313110" cy="2695788"/>
+          </a:xfrm>
+          <a:prstGeom prst="rect">
+            <a:avLst/>
+          </a:prstGeom>
+        </p:spPr>
+      </p:pic>
+      <p:pic>
+        <p:nvPicPr>
+          <p:cNvPr id="8" name="그림 7"/>
+          <p:cNvPicPr>
+            <a:picLocks noChangeAspect="1"/>
+          </p:cNvPicPr>
+          <p:nvPr/>
+        </p:nvPicPr>
+        <p:blipFill>
+          <a:blip r:embed="rId7"/>
+          <a:stretch>
+            <a:fillRect/>
+          </a:stretch>
+        </p:blipFill>
+        <p:spPr>
+          <a:xfrm>
+            <a:off x="5978644" y="3846796"/>
+            <a:ext cx="1233759" cy="2600898"/>
+          </a:xfrm>
+          <a:prstGeom prst="rect">
+            <a:avLst/>
+          </a:prstGeom>
+        </p:spPr>
+      </p:pic>
+      <p:pic>
+        <p:nvPicPr>
+          <p:cNvPr id="9" name="그림 8"/>
+          <p:cNvPicPr>
+            <a:picLocks noChangeAspect="1"/>
+          </p:cNvPicPr>
+          <p:nvPr/>
+        </p:nvPicPr>
+        <p:blipFill>
+          <a:blip r:embed="rId8"/>
+          <a:stretch>
+            <a:fillRect/>
+          </a:stretch>
+        </p:blipFill>
+        <p:spPr>
+          <a:xfrm>
+            <a:off x="7385288" y="3846795"/>
+            <a:ext cx="1313236" cy="2706330"/>
           </a:xfrm>
           <a:prstGeom prst="rect">
             <a:avLst/>
@@ -3760,13 +3884,20 @@
     </p:spTree>
     <p:extLst>
       <p:ext uri="{BB962C8B-B14F-4D97-AF65-F5344CB8AC3E}">
-        <p14:creationId xmlns:p14="http://schemas.microsoft.com/office/powerpoint/2010/main" val="1887150898"/>
+        <p14:creationId xmlns:p14="http://schemas.microsoft.com/office/powerpoint/2010/main" val="3270918313"/>
       </p:ext>
     </p:extLst>
   </p:cSld>
   <p:clrMapOvr>
     <a:masterClrMapping/>
   </p:clrMapOvr>
+  <p:timing>
+    <p:tnLst>
+      <p:par>
+        <p:cTn id="1" dur="indefinite" restart="never" nodeType="tmRoot"/>
+      </p:par>
+    </p:tnLst>
+  </p:timing>
 </p:sld>
 </file>
 
@@ -3830,8 +3961,8 @@
         </p:blipFill>
         <p:spPr>
           <a:xfrm>
-            <a:off x="549513" y="426654"/>
-            <a:ext cx="10369043" cy="3839699"/>
+            <a:off x="325753" y="311727"/>
+            <a:ext cx="7716811" cy="6252008"/>
           </a:xfrm>
           <a:prstGeom prst="rect">
             <a:avLst/>
@@ -3854,68 +3985,18 @@
         </p:blipFill>
         <p:spPr>
           <a:xfrm>
-            <a:off x="549513" y="4266352"/>
-            <a:ext cx="9016518" cy="2329495"/>
+            <a:off x="8042563" y="311726"/>
+            <a:ext cx="3816169" cy="2909455"/>
           </a:xfrm>
           <a:prstGeom prst="rect">
             <a:avLst/>
           </a:prstGeom>
         </p:spPr>
       </p:pic>
-      <p:sp>
-        <p:nvSpPr>
-          <p:cNvPr id="5" name="제목 1"/>
-          <p:cNvSpPr txBox="1">
-            <a:spLocks/>
-          </p:cNvSpPr>
-          <p:nvPr/>
-        </p:nvSpPr>
-        <p:spPr>
-          <a:xfrm>
-            <a:off x="9190892" y="1955487"/>
-            <a:ext cx="2625382" cy="1428872"/>
-          </a:xfrm>
-          <a:prstGeom prst="rect">
-            <a:avLst/>
-          </a:prstGeom>
-        </p:spPr>
-        <p:txBody>
-          <a:bodyPr vert="horz" lIns="91440" tIns="45720" rIns="91440" bIns="45720" rtlCol="0" anchor="ctr">
-            <a:normAutofit/>
-          </a:bodyPr>
-          <a:lstStyle>
-            <a:lvl1pPr algn="l" defTabSz="914400" rtl="0" eaLnBrk="1" latinLnBrk="1" hangingPunct="1">
-              <a:lnSpc>
-                <a:spcPct val="90000"/>
-              </a:lnSpc>
-              <a:spcBef>
-                <a:spcPct val="0"/>
-              </a:spcBef>
-              <a:buNone/>
-              <a:defRPr sz="4400" kern="1200">
-                <a:solidFill>
-                  <a:schemeClr val="accent1"/>
-                </a:solidFill>
-                <a:latin typeface="+mj-lt"/>
-                <a:ea typeface="+mj-ea"/>
-                <a:cs typeface="+mj-cs"/>
-              </a:defRPr>
-            </a:lvl1pPr>
-          </a:lstStyle>
-          <a:p>
-            <a:pPr algn="ctr"/>
-            <a:r>
-              <a:rPr lang="ko-KR" altLang="en-US" sz="4000" smtClean="0"/>
-              <a:t>달력 찍기</a:t>
-            </a:r>
-            <a:endParaRPr lang="ko-KR" altLang="en-US" sz="4000" dirty="0"/>
-          </a:p>
-        </p:txBody>
-      </p:sp>
     </p:spTree>
     <p:extLst>
       <p:ext uri="{BB962C8B-B14F-4D97-AF65-F5344CB8AC3E}">
-        <p14:creationId xmlns:p14="http://schemas.microsoft.com/office/powerpoint/2010/main" val="2828608319"/>
+        <p14:creationId xmlns:p14="http://schemas.microsoft.com/office/powerpoint/2010/main" val="2888109521"/>
       </p:ext>
     </p:extLst>
   </p:cSld>
@@ -3972,6 +4053,10 @@
           <a:lstStyle/>
           <a:p>
             <a:pPr algn="ctr"/>
+            <a:r>
+              <a:rPr lang="ko-KR" altLang="en-US" sz="4000" dirty="0" smtClean="0"/>
+              <a:t>띄어쓰기 연습</a:t>
+            </a:r>
             <a:endParaRPr lang="ko-KR" altLang="en-US" sz="4000" dirty="0"/>
           </a:p>
         </p:txBody>
@@ -3992,8 +4077,8 @@
         </p:blipFill>
         <p:spPr>
           <a:xfrm>
-            <a:off x="736543" y="609601"/>
-            <a:ext cx="8407457" cy="3237194"/>
+            <a:off x="1143000" y="1594337"/>
+            <a:ext cx="9605966" cy="2437335"/>
           </a:xfrm>
           <a:prstGeom prst="rect">
             <a:avLst/>
@@ -4016,354 +4101,6 @@
         </p:blipFill>
         <p:spPr>
           <a:xfrm>
-            <a:off x="736544" y="3846795"/>
-            <a:ext cx="1237727" cy="2600898"/>
-          </a:xfrm>
-          <a:prstGeom prst="rect">
-            <a:avLst/>
-          </a:prstGeom>
-        </p:spPr>
-      </p:pic>
-      <p:pic>
-        <p:nvPicPr>
-          <p:cNvPr id="5" name="그림 4"/>
-          <p:cNvPicPr>
-            <a:picLocks noChangeAspect="1"/>
-          </p:cNvPicPr>
-          <p:nvPr/>
-        </p:nvPicPr>
-        <p:blipFill>
-          <a:blip r:embed="rId4"/>
-          <a:stretch>
-            <a:fillRect/>
-          </a:stretch>
-        </p:blipFill>
-        <p:spPr>
-          <a:xfrm>
-            <a:off x="1974271" y="3846795"/>
-            <a:ext cx="1190960" cy="2628619"/>
-          </a:xfrm>
-          <a:prstGeom prst="rect">
-            <a:avLst/>
-          </a:prstGeom>
-        </p:spPr>
-      </p:pic>
-      <p:pic>
-        <p:nvPicPr>
-          <p:cNvPr id="6" name="그림 5"/>
-          <p:cNvPicPr>
-            <a:picLocks noChangeAspect="1"/>
-          </p:cNvPicPr>
-          <p:nvPr/>
-        </p:nvPicPr>
-        <p:blipFill>
-          <a:blip r:embed="rId5"/>
-          <a:stretch>
-            <a:fillRect/>
-          </a:stretch>
-        </p:blipFill>
-        <p:spPr>
-          <a:xfrm>
-            <a:off x="3211998" y="3846796"/>
-            <a:ext cx="1360002" cy="2650704"/>
-          </a:xfrm>
-          <a:prstGeom prst="rect">
-            <a:avLst/>
-          </a:prstGeom>
-        </p:spPr>
-      </p:pic>
-      <p:pic>
-        <p:nvPicPr>
-          <p:cNvPr id="7" name="그림 6"/>
-          <p:cNvPicPr>
-            <a:picLocks noChangeAspect="1"/>
-          </p:cNvPicPr>
-          <p:nvPr/>
-        </p:nvPicPr>
-        <p:blipFill>
-          <a:blip r:embed="rId6"/>
-          <a:stretch>
-            <a:fillRect/>
-          </a:stretch>
-        </p:blipFill>
-        <p:spPr>
-          <a:xfrm>
-            <a:off x="4618767" y="3846795"/>
-            <a:ext cx="1313110" cy="2695788"/>
-          </a:xfrm>
-          <a:prstGeom prst="rect">
-            <a:avLst/>
-          </a:prstGeom>
-        </p:spPr>
-      </p:pic>
-      <p:pic>
-        <p:nvPicPr>
-          <p:cNvPr id="8" name="그림 7"/>
-          <p:cNvPicPr>
-            <a:picLocks noChangeAspect="1"/>
-          </p:cNvPicPr>
-          <p:nvPr/>
-        </p:nvPicPr>
-        <p:blipFill>
-          <a:blip r:embed="rId7"/>
-          <a:stretch>
-            <a:fillRect/>
-          </a:stretch>
-        </p:blipFill>
-        <p:spPr>
-          <a:xfrm>
-            <a:off x="5978644" y="3846796"/>
-            <a:ext cx="1233759" cy="2600898"/>
-          </a:xfrm>
-          <a:prstGeom prst="rect">
-            <a:avLst/>
-          </a:prstGeom>
-        </p:spPr>
-      </p:pic>
-      <p:pic>
-        <p:nvPicPr>
-          <p:cNvPr id="9" name="그림 8"/>
-          <p:cNvPicPr>
-            <a:picLocks noChangeAspect="1"/>
-          </p:cNvPicPr>
-          <p:nvPr/>
-        </p:nvPicPr>
-        <p:blipFill>
-          <a:blip r:embed="rId8"/>
-          <a:stretch>
-            <a:fillRect/>
-          </a:stretch>
-        </p:blipFill>
-        <p:spPr>
-          <a:xfrm>
-            <a:off x="7385288" y="3846795"/>
-            <a:ext cx="1313236" cy="2706330"/>
-          </a:xfrm>
-          <a:prstGeom prst="rect">
-            <a:avLst/>
-          </a:prstGeom>
-        </p:spPr>
-      </p:pic>
-    </p:spTree>
-    <p:extLst>
-      <p:ext uri="{BB962C8B-B14F-4D97-AF65-F5344CB8AC3E}">
-        <p14:creationId xmlns:p14="http://schemas.microsoft.com/office/powerpoint/2010/main" val="3270918313"/>
-      </p:ext>
-    </p:extLst>
-  </p:cSld>
-  <p:clrMapOvr>
-    <a:masterClrMapping/>
-  </p:clrMapOvr>
-  <p:timing>
-    <p:tnLst>
-      <p:par>
-        <p:cTn id="1" dur="indefinite" restart="never" nodeType="tmRoot"/>
-      </p:par>
-    </p:tnLst>
-  </p:timing>
-</p:sld>
-</file>
-
-<file path=ppt/slides/slide14.xml><?xml version="1.0" encoding="utf-8"?>
-<p:sld xmlns:a="http://schemas.openxmlformats.org/drawingml/2006/main" xmlns:r="http://schemas.openxmlformats.org/officeDocument/2006/relationships" xmlns:p="http://schemas.openxmlformats.org/presentationml/2006/main">
-  <p:cSld>
-    <p:spTree>
-      <p:nvGrpSpPr>
-        <p:cNvPr id="1" name=""/>
-        <p:cNvGrpSpPr/>
-        <p:nvPr/>
-      </p:nvGrpSpPr>
-      <p:grpSpPr>
-        <a:xfrm>
-          <a:off x="0" y="0"/>
-          <a:ext cx="0" cy="0"/>
-          <a:chOff x="0" y="0"/>
-          <a:chExt cx="0" cy="0"/>
-        </a:xfrm>
-      </p:grpSpPr>
-      <p:sp>
-        <p:nvSpPr>
-          <p:cNvPr id="2" name="제목 1"/>
-          <p:cNvSpPr>
-            <a:spLocks noGrp="1"/>
-          </p:cNvSpPr>
-          <p:nvPr>
-            <p:ph type="title"/>
-          </p:nvPr>
-        </p:nvSpPr>
-        <p:spPr>
-          <a:xfrm>
-            <a:off x="1143000" y="609600"/>
-            <a:ext cx="9875520" cy="984738"/>
-          </a:xfrm>
-        </p:spPr>
-        <p:txBody>
-          <a:bodyPr>
-            <a:normAutofit/>
-          </a:bodyPr>
-          <a:lstStyle/>
-          <a:p>
-            <a:pPr algn="ctr"/>
-            <a:endParaRPr lang="ko-KR" altLang="en-US" sz="4000" dirty="0"/>
-          </a:p>
-        </p:txBody>
-      </p:sp>
-      <p:pic>
-        <p:nvPicPr>
-          <p:cNvPr id="3" name="그림 2"/>
-          <p:cNvPicPr>
-            <a:picLocks noChangeAspect="1"/>
-          </p:cNvPicPr>
-          <p:nvPr/>
-        </p:nvPicPr>
-        <p:blipFill>
-          <a:blip r:embed="rId2"/>
-          <a:stretch>
-            <a:fillRect/>
-          </a:stretch>
-        </p:blipFill>
-        <p:spPr>
-          <a:xfrm>
-            <a:off x="325753" y="311727"/>
-            <a:ext cx="7716811" cy="6252008"/>
-          </a:xfrm>
-          <a:prstGeom prst="rect">
-            <a:avLst/>
-          </a:prstGeom>
-        </p:spPr>
-      </p:pic>
-      <p:pic>
-        <p:nvPicPr>
-          <p:cNvPr id="4" name="그림 3"/>
-          <p:cNvPicPr>
-            <a:picLocks noChangeAspect="1"/>
-          </p:cNvPicPr>
-          <p:nvPr/>
-        </p:nvPicPr>
-        <p:blipFill>
-          <a:blip r:embed="rId3"/>
-          <a:stretch>
-            <a:fillRect/>
-          </a:stretch>
-        </p:blipFill>
-        <p:spPr>
-          <a:xfrm>
-            <a:off x="8042563" y="311726"/>
-            <a:ext cx="3816169" cy="2909455"/>
-          </a:xfrm>
-          <a:prstGeom prst="rect">
-            <a:avLst/>
-          </a:prstGeom>
-        </p:spPr>
-      </p:pic>
-    </p:spTree>
-    <p:extLst>
-      <p:ext uri="{BB962C8B-B14F-4D97-AF65-F5344CB8AC3E}">
-        <p14:creationId xmlns:p14="http://schemas.microsoft.com/office/powerpoint/2010/main" val="2888109521"/>
-      </p:ext>
-    </p:extLst>
-  </p:cSld>
-  <p:clrMapOvr>
-    <a:masterClrMapping/>
-  </p:clrMapOvr>
-  <p:timing>
-    <p:tnLst>
-      <p:par>
-        <p:cTn id="1" dur="indefinite" restart="never" nodeType="tmRoot"/>
-      </p:par>
-    </p:tnLst>
-  </p:timing>
-</p:sld>
-</file>
-
-<file path=ppt/slides/slide15.xml><?xml version="1.0" encoding="utf-8"?>
-<p:sld xmlns:a="http://schemas.openxmlformats.org/drawingml/2006/main" xmlns:r="http://schemas.openxmlformats.org/officeDocument/2006/relationships" xmlns:p="http://schemas.openxmlformats.org/presentationml/2006/main">
-  <p:cSld>
-    <p:spTree>
-      <p:nvGrpSpPr>
-        <p:cNvPr id="1" name=""/>
-        <p:cNvGrpSpPr/>
-        <p:nvPr/>
-      </p:nvGrpSpPr>
-      <p:grpSpPr>
-        <a:xfrm>
-          <a:off x="0" y="0"/>
-          <a:ext cx="0" cy="0"/>
-          <a:chOff x="0" y="0"/>
-          <a:chExt cx="0" cy="0"/>
-        </a:xfrm>
-      </p:grpSpPr>
-      <p:sp>
-        <p:nvSpPr>
-          <p:cNvPr id="2" name="제목 1"/>
-          <p:cNvSpPr>
-            <a:spLocks noGrp="1"/>
-          </p:cNvSpPr>
-          <p:nvPr>
-            <p:ph type="title"/>
-          </p:nvPr>
-        </p:nvSpPr>
-        <p:spPr>
-          <a:xfrm>
-            <a:off x="1143000" y="609600"/>
-            <a:ext cx="9875520" cy="984738"/>
-          </a:xfrm>
-        </p:spPr>
-        <p:txBody>
-          <a:bodyPr>
-            <a:normAutofit/>
-          </a:bodyPr>
-          <a:lstStyle/>
-          <a:p>
-            <a:pPr algn="ctr"/>
-            <a:r>
-              <a:rPr lang="ko-KR" altLang="en-US" sz="4000" dirty="0" smtClean="0"/>
-              <a:t>띄어쓰기 연습</a:t>
-            </a:r>
-            <a:endParaRPr lang="ko-KR" altLang="en-US" sz="4000" dirty="0"/>
-          </a:p>
-        </p:txBody>
-      </p:sp>
-      <p:pic>
-        <p:nvPicPr>
-          <p:cNvPr id="3" name="그림 2"/>
-          <p:cNvPicPr>
-            <a:picLocks noChangeAspect="1"/>
-          </p:cNvPicPr>
-          <p:nvPr/>
-        </p:nvPicPr>
-        <p:blipFill>
-          <a:blip r:embed="rId2"/>
-          <a:stretch>
-            <a:fillRect/>
-          </a:stretch>
-        </p:blipFill>
-        <p:spPr>
-          <a:xfrm>
-            <a:off x="1143000" y="1594337"/>
-            <a:ext cx="9605966" cy="2437335"/>
-          </a:xfrm>
-          <a:prstGeom prst="rect">
-            <a:avLst/>
-          </a:prstGeom>
-        </p:spPr>
-      </p:pic>
-      <p:pic>
-        <p:nvPicPr>
-          <p:cNvPr id="4" name="그림 3"/>
-          <p:cNvPicPr>
-            <a:picLocks noChangeAspect="1"/>
-          </p:cNvPicPr>
-          <p:nvPr/>
-        </p:nvPicPr>
-        <p:blipFill>
-          <a:blip r:embed="rId3"/>
-          <a:stretch>
-            <a:fillRect/>
-          </a:stretch>
-        </p:blipFill>
-        <p:spPr>
-          <a:xfrm>
             <a:off x="1143001" y="4031672"/>
             <a:ext cx="2335674" cy="2493820"/>
           </a:xfrm>
@@ -4376,63 +4113,6 @@
     <p:extLst>
       <p:ext uri="{BB962C8B-B14F-4D97-AF65-F5344CB8AC3E}">
         <p14:creationId xmlns:p14="http://schemas.microsoft.com/office/powerpoint/2010/main" val="2078191885"/>
-      </p:ext>
-    </p:extLst>
-  </p:cSld>
-  <p:clrMapOvr>
-    <a:masterClrMapping/>
-  </p:clrMapOvr>
-</p:sld>
-</file>
-
-<file path=ppt/slides/slide16.xml><?xml version="1.0" encoding="utf-8"?>
-<p:sld xmlns:a="http://schemas.openxmlformats.org/drawingml/2006/main" xmlns:r="http://schemas.openxmlformats.org/officeDocument/2006/relationships" xmlns:p="http://schemas.openxmlformats.org/presentationml/2006/main">
-  <p:cSld>
-    <p:spTree>
-      <p:nvGrpSpPr>
-        <p:cNvPr id="1" name=""/>
-        <p:cNvGrpSpPr/>
-        <p:nvPr/>
-      </p:nvGrpSpPr>
-      <p:grpSpPr>
-        <a:xfrm>
-          <a:off x="0" y="0"/>
-          <a:ext cx="0" cy="0"/>
-          <a:chOff x="0" y="0"/>
-          <a:chExt cx="0" cy="0"/>
-        </a:xfrm>
-      </p:grpSpPr>
-      <p:sp>
-        <p:nvSpPr>
-          <p:cNvPr id="2" name="제목 1"/>
-          <p:cNvSpPr>
-            <a:spLocks noGrp="1"/>
-          </p:cNvSpPr>
-          <p:nvPr>
-            <p:ph type="title"/>
-          </p:nvPr>
-        </p:nvSpPr>
-        <p:spPr>
-          <a:xfrm>
-            <a:off x="1143000" y="609600"/>
-            <a:ext cx="9875520" cy="984738"/>
-          </a:xfrm>
-        </p:spPr>
-        <p:txBody>
-          <a:bodyPr>
-            <a:normAutofit/>
-          </a:bodyPr>
-          <a:lstStyle/>
-          <a:p>
-            <a:pPr algn="ctr"/>
-            <a:endParaRPr lang="ko-KR" altLang="en-US" sz="4000" dirty="0"/>
-          </a:p>
-        </p:txBody>
-      </p:sp>
-    </p:spTree>
-    <p:extLst>
-      <p:ext uri="{BB962C8B-B14F-4D97-AF65-F5344CB8AC3E}">
-        <p14:creationId xmlns:p14="http://schemas.microsoft.com/office/powerpoint/2010/main" val="3839144854"/>
       </p:ext>
     </p:extLst>
   </p:cSld>
@@ -4459,6 +4139,30 @@
           <a:chExt cx="0" cy="0"/>
         </a:xfrm>
       </p:grpSpPr>
+      <p:pic>
+        <p:nvPicPr>
+          <p:cNvPr id="3" name="그림 2"/>
+          <p:cNvPicPr>
+            <a:picLocks noChangeAspect="1"/>
+          </p:cNvPicPr>
+          <p:nvPr/>
+        </p:nvPicPr>
+        <p:blipFill>
+          <a:blip r:embed="rId2"/>
+          <a:stretch>
+            <a:fillRect/>
+          </a:stretch>
+        </p:blipFill>
+        <p:spPr>
+          <a:xfrm>
+            <a:off x="1143000" y="1594338"/>
+            <a:ext cx="9595338" cy="3522988"/>
+          </a:xfrm>
+          <a:prstGeom prst="rect">
+            <a:avLst/>
+          </a:prstGeom>
+        </p:spPr>
+      </p:pic>
       <p:sp>
         <p:nvSpPr>
           <p:cNvPr id="2" name="제목 1"/>
@@ -4469,61 +4173,59 @@
             <p:ph type="title"/>
           </p:nvPr>
         </p:nvSpPr>
-        <p:spPr/>
-        <p:txBody>
-          <a:bodyPr/>
-          <a:lstStyle/>
-          <a:p>
-            <a:pPr algn="ctr"/>
-            <a:r>
-              <a:rPr lang="en-US" altLang="ko-KR" dirty="0" smtClean="0"/>
-              <a:t>&lt; </a:t>
-            </a:r>
-            <a:r>
-              <a:rPr lang="ko-KR" altLang="en-US" dirty="0" smtClean="0"/>
-              <a:t>목차 </a:t>
-            </a:r>
-            <a:r>
-              <a:rPr lang="en-US" altLang="ko-KR" dirty="0" smtClean="0"/>
-              <a:t>&gt;</a:t>
-            </a:r>
-            <a:endParaRPr lang="ko-KR" altLang="en-US" dirty="0"/>
-          </a:p>
-        </p:txBody>
-      </p:sp>
-      <p:sp>
-        <p:nvSpPr>
-          <p:cNvPr id="3" name="세로 텍스트 개체 틀 2"/>
-          <p:cNvSpPr>
-            <a:spLocks noGrp="1"/>
-          </p:cNvSpPr>
-          <p:nvPr>
-            <p:ph type="body" orient="vert" idx="1"/>
-          </p:nvPr>
-        </p:nvSpPr>
-        <p:spPr/>
-        <p:txBody>
-          <a:bodyPr vert="horz">
+        <p:spPr>
+          <a:xfrm>
+            <a:off x="1143000" y="609600"/>
+            <a:ext cx="9875520" cy="984738"/>
+          </a:xfrm>
+        </p:spPr>
+        <p:txBody>
+          <a:bodyPr>
             <a:normAutofit/>
           </a:bodyPr>
           <a:lstStyle/>
           <a:p>
-            <a:pPr>
-              <a:lnSpc>
-                <a:spcPct val="200000"/>
-              </a:lnSpc>
-            </a:pPr>
-            <a:endParaRPr lang="ko-KR" altLang="en-US" sz="2800" dirty="0">
-              <a:latin typeface="+mj-ea"/>
-              <a:ea typeface="+mj-ea"/>
-            </a:endParaRPr>
-          </a:p>
-        </p:txBody>
-      </p:sp>
+            <a:pPr algn="ctr"/>
+            <a:r>
+              <a:rPr lang="en-US" altLang="ko-KR" sz="4000" dirty="0" err="1" smtClean="0"/>
+              <a:t>Swich_case</a:t>
+            </a:r>
+            <a:r>
+              <a:rPr lang="ko-KR" altLang="en-US" sz="4000" dirty="0" smtClean="0"/>
+              <a:t>문 활용</a:t>
+            </a:r>
+            <a:endParaRPr lang="ko-KR" altLang="en-US" sz="4000" dirty="0"/>
+          </a:p>
+        </p:txBody>
+      </p:sp>
+      <p:pic>
+        <p:nvPicPr>
+          <p:cNvPr id="4" name="그림 3"/>
+          <p:cNvPicPr>
+            <a:picLocks noChangeAspect="1"/>
+          </p:cNvPicPr>
+          <p:nvPr/>
+        </p:nvPicPr>
+        <p:blipFill>
+          <a:blip r:embed="rId3"/>
+          <a:stretch>
+            <a:fillRect/>
+          </a:stretch>
+        </p:blipFill>
+        <p:spPr>
+          <a:xfrm>
+            <a:off x="1142999" y="5120852"/>
+            <a:ext cx="4859215" cy="1472056"/>
+          </a:xfrm>
+          <a:prstGeom prst="rect">
+            <a:avLst/>
+          </a:prstGeom>
+        </p:spPr>
+      </p:pic>
     </p:spTree>
     <p:extLst>
       <p:ext uri="{BB962C8B-B14F-4D97-AF65-F5344CB8AC3E}">
-        <p14:creationId xmlns:p14="http://schemas.microsoft.com/office/powerpoint/2010/main" val="1668511958"/>
+        <p14:creationId xmlns:p14="http://schemas.microsoft.com/office/powerpoint/2010/main" val="3080889436"/>
       </p:ext>
     </p:extLst>
   </p:cSld>
@@ -4557,9 +4259,44 @@
           <a:chExt cx="0" cy="0"/>
         </a:xfrm>
       </p:grpSpPr>
+      <p:sp>
+        <p:nvSpPr>
+          <p:cNvPr id="2" name="제목 1"/>
+          <p:cNvSpPr>
+            <a:spLocks noGrp="1"/>
+          </p:cNvSpPr>
+          <p:nvPr>
+            <p:ph type="title"/>
+          </p:nvPr>
+        </p:nvSpPr>
+        <p:spPr>
+          <a:xfrm>
+            <a:off x="1143000" y="609600"/>
+            <a:ext cx="9875520" cy="984738"/>
+          </a:xfrm>
+        </p:spPr>
+        <p:txBody>
+          <a:bodyPr>
+            <a:normAutofit/>
+          </a:bodyPr>
+          <a:lstStyle/>
+          <a:p>
+            <a:pPr algn="ctr"/>
+            <a:r>
+              <a:rPr lang="en-US" altLang="ko-KR" sz="4000" dirty="0" smtClean="0"/>
+              <a:t>For </a:t>
+            </a:r>
+            <a:r>
+              <a:rPr lang="ko-KR" altLang="en-US" sz="4000" dirty="0" smtClean="0"/>
+              <a:t>문 활용</a:t>
+            </a:r>
+            <a:endParaRPr lang="ko-KR" altLang="en-US" sz="4000" dirty="0"/>
+          </a:p>
+        </p:txBody>
+      </p:sp>
       <p:pic>
         <p:nvPicPr>
-          <p:cNvPr id="3" name="그림 2"/>
+          <p:cNvPr id="5" name="그림 4"/>
           <p:cNvPicPr>
             <a:picLocks noChangeAspect="1"/>
           </p:cNvPicPr>
@@ -4573,52 +4310,17 @@
         </p:blipFill>
         <p:spPr>
           <a:xfrm>
-            <a:off x="1143000" y="1594338"/>
-            <a:ext cx="9595338" cy="3522988"/>
+            <a:off x="416168" y="1781906"/>
+            <a:ext cx="9307321" cy="3634155"/>
           </a:xfrm>
           <a:prstGeom prst="rect">
             <a:avLst/>
           </a:prstGeom>
         </p:spPr>
       </p:pic>
-      <p:sp>
-        <p:nvSpPr>
-          <p:cNvPr id="2" name="제목 1"/>
-          <p:cNvSpPr>
-            <a:spLocks noGrp="1"/>
-          </p:cNvSpPr>
-          <p:nvPr>
-            <p:ph type="title"/>
-          </p:nvPr>
-        </p:nvSpPr>
-        <p:spPr>
-          <a:xfrm>
-            <a:off x="1143000" y="609600"/>
-            <a:ext cx="9875520" cy="984738"/>
-          </a:xfrm>
-        </p:spPr>
-        <p:txBody>
-          <a:bodyPr>
-            <a:normAutofit/>
-          </a:bodyPr>
-          <a:lstStyle/>
-          <a:p>
-            <a:pPr algn="ctr"/>
-            <a:r>
-              <a:rPr lang="en-US" altLang="ko-KR" sz="4000" dirty="0" err="1" smtClean="0"/>
-              <a:t>Swich_case</a:t>
-            </a:r>
-            <a:r>
-              <a:rPr lang="ko-KR" altLang="en-US" sz="4000" dirty="0" smtClean="0"/>
-              <a:t>문 활용</a:t>
-            </a:r>
-            <a:endParaRPr lang="ko-KR" altLang="en-US" sz="4000" dirty="0"/>
-          </a:p>
-        </p:txBody>
-      </p:sp>
       <p:pic>
         <p:nvPicPr>
-          <p:cNvPr id="4" name="그림 3"/>
+          <p:cNvPr id="6" name="그림 5"/>
           <p:cNvPicPr>
             <a:picLocks noChangeAspect="1"/>
           </p:cNvPicPr>
@@ -4632,8 +4334,8 @@
         </p:blipFill>
         <p:spPr>
           <a:xfrm>
-            <a:off x="1142999" y="5120852"/>
-            <a:ext cx="4859215" cy="1472056"/>
+            <a:off x="9723489" y="1607488"/>
+            <a:ext cx="2152950" cy="4715533"/>
           </a:xfrm>
           <a:prstGeom prst="rect">
             <a:avLst/>
@@ -4643,7 +4345,7 @@
     </p:spTree>
     <p:extLst>
       <p:ext uri="{BB962C8B-B14F-4D97-AF65-F5344CB8AC3E}">
-        <p14:creationId xmlns:p14="http://schemas.microsoft.com/office/powerpoint/2010/main" val="3080889436"/>
+        <p14:creationId xmlns:p14="http://schemas.microsoft.com/office/powerpoint/2010/main" val="3186119470"/>
       </p:ext>
     </p:extLst>
   </p:cSld>
@@ -4702,7 +4404,7 @@
             <a:pPr algn="ctr"/>
             <a:r>
               <a:rPr lang="en-US" altLang="ko-KR" sz="4000" dirty="0" smtClean="0"/>
-              <a:t>For </a:t>
+              <a:t>While</a:t>
             </a:r>
             <a:r>
               <a:rPr lang="ko-KR" altLang="en-US" sz="4000" dirty="0" smtClean="0"/>
@@ -4714,7 +4416,7 @@
       </p:sp>
       <p:pic>
         <p:nvPicPr>
-          <p:cNvPr id="5" name="그림 4"/>
+          <p:cNvPr id="3" name="그림 2"/>
           <p:cNvPicPr>
             <a:picLocks noChangeAspect="1"/>
           </p:cNvPicPr>
@@ -4728,8 +4430,8 @@
         </p:blipFill>
         <p:spPr>
           <a:xfrm>
-            <a:off x="416168" y="1781906"/>
-            <a:ext cx="9307321" cy="3634155"/>
+            <a:off x="707909" y="1594337"/>
+            <a:ext cx="8021663" cy="4992206"/>
           </a:xfrm>
           <a:prstGeom prst="rect">
             <a:avLst/>
@@ -4738,7 +4440,7 @@
       </p:pic>
       <p:pic>
         <p:nvPicPr>
-          <p:cNvPr id="6" name="그림 5"/>
+          <p:cNvPr id="4" name="그림 3"/>
           <p:cNvPicPr>
             <a:picLocks noChangeAspect="1"/>
           </p:cNvPicPr>
@@ -4752,8 +4454,8 @@
         </p:blipFill>
         <p:spPr>
           <a:xfrm>
-            <a:off x="9723489" y="1607488"/>
-            <a:ext cx="2152950" cy="4715533"/>
+            <a:off x="9164664" y="1594337"/>
+            <a:ext cx="2288947" cy="4806463"/>
           </a:xfrm>
           <a:prstGeom prst="rect">
             <a:avLst/>
@@ -4763,7 +4465,7 @@
     </p:spTree>
     <p:extLst>
       <p:ext uri="{BB962C8B-B14F-4D97-AF65-F5344CB8AC3E}">
-        <p14:creationId xmlns:p14="http://schemas.microsoft.com/office/powerpoint/2010/main" val="3186119470"/>
+        <p14:creationId xmlns:p14="http://schemas.microsoft.com/office/powerpoint/2010/main" val="1108688717"/>
       </p:ext>
     </p:extLst>
   </p:cSld>
@@ -4820,14 +4522,74 @@
           <a:lstStyle/>
           <a:p>
             <a:pPr algn="ctr"/>
+            <a:r>
+              <a:rPr lang="en-US" altLang="ko-KR" sz="4000" dirty="0" err="1" smtClean="0"/>
+              <a:t>If_else</a:t>
+            </a:r>
+            <a:r>
+              <a:rPr lang="en-US" altLang="ko-KR" sz="4000" dirty="0" smtClean="0"/>
+              <a:t> </a:t>
+            </a:r>
+            <a:r>
+              <a:rPr lang="ko-KR" altLang="en-US" sz="4000" dirty="0" smtClean="0"/>
+              <a:t>문 활용</a:t>
+            </a:r>
             <a:endParaRPr lang="ko-KR" altLang="en-US" sz="4000" dirty="0"/>
           </a:p>
         </p:txBody>
       </p:sp>
+      <p:pic>
+        <p:nvPicPr>
+          <p:cNvPr id="3" name="그림 2"/>
+          <p:cNvPicPr>
+            <a:picLocks noChangeAspect="1"/>
+          </p:cNvPicPr>
+          <p:nvPr/>
+        </p:nvPicPr>
+        <p:blipFill>
+          <a:blip r:embed="rId2"/>
+          <a:stretch>
+            <a:fillRect/>
+          </a:stretch>
+        </p:blipFill>
+        <p:spPr>
+          <a:xfrm>
+            <a:off x="556044" y="1594338"/>
+            <a:ext cx="5821310" cy="4955088"/>
+          </a:xfrm>
+          <a:prstGeom prst="rect">
+            <a:avLst/>
+          </a:prstGeom>
+        </p:spPr>
+      </p:pic>
+      <p:pic>
+        <p:nvPicPr>
+          <p:cNvPr id="4" name="그림 3"/>
+          <p:cNvPicPr>
+            <a:picLocks noChangeAspect="1"/>
+          </p:cNvPicPr>
+          <p:nvPr/>
+        </p:nvPicPr>
+        <p:blipFill>
+          <a:blip r:embed="rId3"/>
+          <a:stretch>
+            <a:fillRect/>
+          </a:stretch>
+        </p:blipFill>
+        <p:spPr>
+          <a:xfrm>
+            <a:off x="7348002" y="1594338"/>
+            <a:ext cx="4023012" cy="2977662"/>
+          </a:xfrm>
+          <a:prstGeom prst="rect">
+            <a:avLst/>
+          </a:prstGeom>
+        </p:spPr>
+      </p:pic>
     </p:spTree>
     <p:extLst>
       <p:ext uri="{BB962C8B-B14F-4D97-AF65-F5344CB8AC3E}">
-        <p14:creationId xmlns:p14="http://schemas.microsoft.com/office/powerpoint/2010/main" val="1312919423"/>
+        <p14:creationId xmlns:p14="http://schemas.microsoft.com/office/powerpoint/2010/main" val="2266723929"/>
       </p:ext>
     </p:extLst>
   </p:cSld>
@@ -4885,14 +4647,17 @@
           <a:p>
             <a:pPr algn="ctr"/>
             <a:r>
-              <a:rPr lang="en-US" altLang="ko-KR" sz="4000" dirty="0" smtClean="0"/>
-              <a:t>While</a:t>
-            </a:r>
-            <a:r>
-              <a:rPr lang="ko-KR" altLang="en-US" sz="4000" dirty="0" smtClean="0"/>
+              <a:rPr lang="en-US" altLang="ko-KR" sz="4000" dirty="0" err="1"/>
+              <a:t>If_else</a:t>
+            </a:r>
+            <a:r>
+              <a:rPr lang="en-US" altLang="ko-KR" sz="4000" dirty="0"/>
+              <a:t> </a:t>
+            </a:r>
+            <a:r>
+              <a:rPr lang="ko-KR" altLang="en-US" sz="4000" dirty="0"/>
               <a:t>문 활용</a:t>
             </a:r>
-            <a:endParaRPr lang="ko-KR" altLang="en-US" sz="4000" dirty="0"/>
           </a:p>
         </p:txBody>
       </p:sp>
@@ -4912,8 +4677,8 @@
         </p:blipFill>
         <p:spPr>
           <a:xfrm>
-            <a:off x="707909" y="1594337"/>
-            <a:ext cx="8021663" cy="4992206"/>
+            <a:off x="483441" y="2154278"/>
+            <a:ext cx="8252294" cy="3355568"/>
           </a:xfrm>
           <a:prstGeom prst="rect">
             <a:avLst/>
@@ -4936,8 +4701,32 @@
         </p:blipFill>
         <p:spPr>
           <a:xfrm>
-            <a:off x="9164664" y="1594337"/>
-            <a:ext cx="2288947" cy="4806463"/>
+            <a:off x="8567642" y="1594338"/>
+            <a:ext cx="1601447" cy="5019783"/>
+          </a:xfrm>
+          <a:prstGeom prst="rect">
+            <a:avLst/>
+          </a:prstGeom>
+        </p:spPr>
+      </p:pic>
+      <p:pic>
+        <p:nvPicPr>
+          <p:cNvPr id="5" name="그림 4"/>
+          <p:cNvPicPr>
+            <a:picLocks noChangeAspect="1"/>
+          </p:cNvPicPr>
+          <p:nvPr/>
+        </p:nvPicPr>
+        <p:blipFill>
+          <a:blip r:embed="rId4"/>
+          <a:stretch>
+            <a:fillRect/>
+          </a:stretch>
+        </p:blipFill>
+        <p:spPr>
+          <a:xfrm>
+            <a:off x="10319563" y="1594338"/>
+            <a:ext cx="1397914" cy="5019783"/>
           </a:xfrm>
           <a:prstGeom prst="rect">
             <a:avLst/>
@@ -4947,7 +4736,7 @@
     </p:spTree>
     <p:extLst>
       <p:ext uri="{BB962C8B-B14F-4D97-AF65-F5344CB8AC3E}">
-        <p14:creationId xmlns:p14="http://schemas.microsoft.com/office/powerpoint/2010/main" val="1108688717"/>
+        <p14:creationId xmlns:p14="http://schemas.microsoft.com/office/powerpoint/2010/main" val="3420321582"/>
       </p:ext>
     </p:extLst>
   </p:cSld>
@@ -4993,8 +4782,8 @@
         </p:nvSpPr>
         <p:spPr>
           <a:xfrm>
-            <a:off x="1143000" y="609600"/>
-            <a:ext cx="9875520" cy="984738"/>
+            <a:off x="6880951" y="507986"/>
+            <a:ext cx="4583631" cy="984738"/>
           </a:xfrm>
         </p:spPr>
         <p:txBody>
@@ -5005,16 +4794,8 @@
           <a:p>
             <a:pPr algn="ctr"/>
             <a:r>
-              <a:rPr lang="en-US" altLang="ko-KR" sz="4000" dirty="0" err="1" smtClean="0"/>
-              <a:t>If_else</a:t>
-            </a:r>
-            <a:r>
-              <a:rPr lang="en-US" altLang="ko-KR" sz="4000" dirty="0" smtClean="0"/>
-              <a:t> </a:t>
-            </a:r>
-            <a:r>
               <a:rPr lang="ko-KR" altLang="en-US" sz="4000" dirty="0" smtClean="0"/>
-              <a:t>문 활용</a:t>
+              <a:t>달력 찍기</a:t>
             </a:r>
             <a:endParaRPr lang="ko-KR" altLang="en-US" sz="4000" dirty="0"/>
           </a:p>
@@ -5022,7 +4803,7 @@
       </p:sp>
       <p:pic>
         <p:nvPicPr>
-          <p:cNvPr id="3" name="그림 2"/>
+          <p:cNvPr id="4" name="그림 3"/>
           <p:cNvPicPr>
             <a:picLocks noChangeAspect="1"/>
           </p:cNvPicPr>
@@ -5036,8 +4817,8 @@
         </p:blipFill>
         <p:spPr>
           <a:xfrm>
-            <a:off x="556044" y="1594338"/>
-            <a:ext cx="5821310" cy="4955088"/>
+            <a:off x="6434889" y="3596491"/>
+            <a:ext cx="5475757" cy="2965003"/>
           </a:xfrm>
           <a:prstGeom prst="rect">
             <a:avLst/>
@@ -5046,7 +4827,7 @@
       </p:pic>
       <p:pic>
         <p:nvPicPr>
-          <p:cNvPr id="4" name="그림 3"/>
+          <p:cNvPr id="5" name="그림 4"/>
           <p:cNvPicPr>
             <a:picLocks noChangeAspect="1"/>
           </p:cNvPicPr>
@@ -5060,8 +4841,8 @@
         </p:blipFill>
         <p:spPr>
           <a:xfrm>
-            <a:off x="7348002" y="1594338"/>
-            <a:ext cx="4023012" cy="2977662"/>
+            <a:off x="279391" y="454236"/>
+            <a:ext cx="6155498" cy="6107258"/>
           </a:xfrm>
           <a:prstGeom prst="rect">
             <a:avLst/>
@@ -5071,7 +4852,7 @@
     </p:spTree>
     <p:extLst>
       <p:ext uri="{BB962C8B-B14F-4D97-AF65-F5344CB8AC3E}">
-        <p14:creationId xmlns:p14="http://schemas.microsoft.com/office/powerpoint/2010/main" val="2266723929"/>
+        <p14:creationId xmlns:p14="http://schemas.microsoft.com/office/powerpoint/2010/main" val="3134873068"/>
       </p:ext>
     </p:extLst>
   </p:cSld>
@@ -5105,47 +4886,9 @@
           <a:chExt cx="0" cy="0"/>
         </a:xfrm>
       </p:grpSpPr>
-      <p:sp>
-        <p:nvSpPr>
-          <p:cNvPr id="2" name="제목 1"/>
-          <p:cNvSpPr>
-            <a:spLocks noGrp="1"/>
-          </p:cNvSpPr>
-          <p:nvPr>
-            <p:ph type="title"/>
-          </p:nvPr>
-        </p:nvSpPr>
-        <p:spPr>
-          <a:xfrm>
-            <a:off x="1143000" y="609600"/>
-            <a:ext cx="9875520" cy="984738"/>
-          </a:xfrm>
-        </p:spPr>
-        <p:txBody>
-          <a:bodyPr>
-            <a:normAutofit/>
-          </a:bodyPr>
-          <a:lstStyle/>
-          <a:p>
-            <a:pPr algn="ctr"/>
-            <a:r>
-              <a:rPr lang="en-US" altLang="ko-KR" sz="4000" dirty="0" err="1"/>
-              <a:t>If_else</a:t>
-            </a:r>
-            <a:r>
-              <a:rPr lang="en-US" altLang="ko-KR" sz="4000" dirty="0"/>
-              <a:t> </a:t>
-            </a:r>
-            <a:r>
-              <a:rPr lang="ko-KR" altLang="en-US" sz="4000" dirty="0"/>
-              <a:t>문 활용</a:t>
-            </a:r>
-          </a:p>
-        </p:txBody>
-      </p:sp>
       <p:pic>
         <p:nvPicPr>
-          <p:cNvPr id="3" name="그림 2"/>
+          <p:cNvPr id="6" name="그림 5"/>
           <p:cNvPicPr>
             <a:picLocks noChangeAspect="1"/>
           </p:cNvPicPr>
@@ -5159,8 +4902,8 @@
         </p:blipFill>
         <p:spPr>
           <a:xfrm>
-            <a:off x="483441" y="2154278"/>
-            <a:ext cx="8252294" cy="3355568"/>
+            <a:off x="440602" y="4308168"/>
+            <a:ext cx="8400662" cy="2205333"/>
           </a:xfrm>
           <a:prstGeom prst="rect">
             <a:avLst/>
@@ -5169,7 +4912,7 @@
       </p:pic>
       <p:pic>
         <p:nvPicPr>
-          <p:cNvPr id="4" name="그림 3"/>
+          <p:cNvPr id="9" name="그림 8"/>
           <p:cNvPicPr>
             <a:picLocks noChangeAspect="1"/>
           </p:cNvPicPr>
@@ -5183,55 +4926,74 @@
         </p:blipFill>
         <p:spPr>
           <a:xfrm>
-            <a:off x="8567642" y="1594338"/>
-            <a:ext cx="1601447" cy="5019783"/>
+            <a:off x="440602" y="424395"/>
+            <a:ext cx="9170483" cy="3652539"/>
           </a:xfrm>
           <a:prstGeom prst="rect">
             <a:avLst/>
           </a:prstGeom>
         </p:spPr>
       </p:pic>
-      <p:pic>
-        <p:nvPicPr>
-          <p:cNvPr id="5" name="그림 4"/>
-          <p:cNvPicPr>
-            <a:picLocks noChangeAspect="1"/>
-          </p:cNvPicPr>
+      <p:sp>
+        <p:nvSpPr>
+          <p:cNvPr id="8" name="제목 1"/>
+          <p:cNvSpPr txBox="1">
+            <a:spLocks/>
+          </p:cNvSpPr>
           <p:nvPr/>
-        </p:nvPicPr>
-        <p:blipFill>
-          <a:blip r:embed="rId4"/>
-          <a:stretch>
-            <a:fillRect/>
-          </a:stretch>
-        </p:blipFill>
-        <p:spPr>
-          <a:xfrm>
-            <a:off x="10319563" y="1594338"/>
-            <a:ext cx="1397914" cy="5019783"/>
+        </p:nvSpPr>
+        <p:spPr>
+          <a:xfrm>
+            <a:off x="7608369" y="424395"/>
+            <a:ext cx="4583631" cy="984738"/>
           </a:xfrm>
           <a:prstGeom prst="rect">
             <a:avLst/>
           </a:prstGeom>
         </p:spPr>
-      </p:pic>
+        <p:txBody>
+          <a:bodyPr vert="horz" lIns="91440" tIns="45720" rIns="91440" bIns="45720" rtlCol="0" anchor="ctr">
+            <a:normAutofit/>
+          </a:bodyPr>
+          <a:lstStyle>
+            <a:lvl1pPr algn="l" defTabSz="914400" rtl="0" eaLnBrk="1" latinLnBrk="1" hangingPunct="1">
+              <a:lnSpc>
+                <a:spcPct val="90000"/>
+              </a:lnSpc>
+              <a:spcBef>
+                <a:spcPct val="0"/>
+              </a:spcBef>
+              <a:buNone/>
+              <a:defRPr sz="4400" kern="1200">
+                <a:solidFill>
+                  <a:schemeClr val="accent1"/>
+                </a:solidFill>
+                <a:latin typeface="+mj-lt"/>
+                <a:ea typeface="+mj-ea"/>
+                <a:cs typeface="+mj-cs"/>
+              </a:defRPr>
+            </a:lvl1pPr>
+          </a:lstStyle>
+          <a:p>
+            <a:pPr algn="ctr"/>
+            <a:r>
+              <a:rPr lang="ko-KR" altLang="en-US" sz="4000" dirty="0" smtClean="0"/>
+              <a:t>달력 찍기</a:t>
+            </a:r>
+            <a:endParaRPr lang="ko-KR" altLang="en-US" sz="4000" dirty="0"/>
+          </a:p>
+        </p:txBody>
+      </p:sp>
     </p:spTree>
     <p:extLst>
       <p:ext uri="{BB962C8B-B14F-4D97-AF65-F5344CB8AC3E}">
-        <p14:creationId xmlns:p14="http://schemas.microsoft.com/office/powerpoint/2010/main" val="3420321582"/>
+        <p14:creationId xmlns:p14="http://schemas.microsoft.com/office/powerpoint/2010/main" val="3587628159"/>
       </p:ext>
     </p:extLst>
   </p:cSld>
   <p:clrMapOvr>
     <a:masterClrMapping/>
   </p:clrMapOvr>
-  <p:timing>
-    <p:tnLst>
-      <p:par>
-        <p:cTn id="1" dur="indefinite" restart="never" nodeType="tmRoot"/>
-      </p:par>
-    </p:tnLst>
-  </p:timing>
 </p:sld>
 </file>
 
@@ -5254,29 +5016,48 @@
       </p:grpSpPr>
       <p:sp>
         <p:nvSpPr>
-          <p:cNvPr id="2" name="제목 1"/>
-          <p:cNvSpPr>
-            <a:spLocks noGrp="1"/>
-          </p:cNvSpPr>
-          <p:nvPr>
-            <p:ph type="title"/>
-          </p:nvPr>
+          <p:cNvPr id="5" name="제목 1"/>
+          <p:cNvSpPr txBox="1">
+            <a:spLocks/>
+          </p:cNvSpPr>
+          <p:nvPr/>
         </p:nvSpPr>
         <p:spPr>
           <a:xfrm>
             <a:off x="6880951" y="507986"/>
             <a:ext cx="4583631" cy="984738"/>
           </a:xfrm>
-        </p:spPr>
-        <p:txBody>
-          <a:bodyPr>
+          <a:prstGeom prst="rect">
+            <a:avLst/>
+          </a:prstGeom>
+        </p:spPr>
+        <p:txBody>
+          <a:bodyPr vert="horz" lIns="91440" tIns="45720" rIns="91440" bIns="45720" rtlCol="0" anchor="ctr">
             <a:normAutofit/>
           </a:bodyPr>
-          <a:lstStyle/>
+          <a:lstStyle>
+            <a:lvl1pPr algn="l" defTabSz="914400" rtl="0" eaLnBrk="1" latinLnBrk="1" hangingPunct="1">
+              <a:lnSpc>
+                <a:spcPct val="90000"/>
+              </a:lnSpc>
+              <a:spcBef>
+                <a:spcPct val="0"/>
+              </a:spcBef>
+              <a:buNone/>
+              <a:defRPr sz="4400" kern="1200">
+                <a:solidFill>
+                  <a:schemeClr val="accent1"/>
+                </a:solidFill>
+                <a:latin typeface="+mj-lt"/>
+                <a:ea typeface="+mj-ea"/>
+                <a:cs typeface="+mj-cs"/>
+              </a:defRPr>
+            </a:lvl1pPr>
+          </a:lstStyle>
           <a:p>
             <a:pPr algn="ctr"/>
             <a:r>
-              <a:rPr lang="ko-KR" altLang="en-US" sz="4000" dirty="0" smtClean="0"/>
+              <a:rPr lang="ko-KR" altLang="en-US" sz="4000" smtClean="0"/>
               <a:t>달력 찍기</a:t>
             </a:r>
             <a:endParaRPr lang="ko-KR" altLang="en-US" sz="4000" dirty="0"/>
@@ -5285,7 +5066,7 @@
       </p:sp>
       <p:pic>
         <p:nvPicPr>
-          <p:cNvPr id="4" name="그림 3"/>
+          <p:cNvPr id="6" name="그림 5"/>
           <p:cNvPicPr>
             <a:picLocks noChangeAspect="1"/>
           </p:cNvPicPr>
@@ -5299,8 +5080,8 @@
         </p:blipFill>
         <p:spPr>
           <a:xfrm>
-            <a:off x="6434889" y="3596491"/>
-            <a:ext cx="5475757" cy="2965003"/>
+            <a:off x="305424" y="272304"/>
+            <a:ext cx="7874065" cy="3912953"/>
           </a:xfrm>
           <a:prstGeom prst="rect">
             <a:avLst/>
@@ -5309,7 +5090,7 @@
       </p:pic>
       <p:pic>
         <p:nvPicPr>
-          <p:cNvPr id="5" name="그림 4"/>
+          <p:cNvPr id="7" name="그림 6"/>
           <p:cNvPicPr>
             <a:picLocks noChangeAspect="1"/>
           </p:cNvPicPr>
@@ -5323,8 +5104,8 @@
         </p:blipFill>
         <p:spPr>
           <a:xfrm>
-            <a:off x="279391" y="454236"/>
-            <a:ext cx="6155498" cy="6107258"/>
+            <a:off x="4096896" y="4185257"/>
+            <a:ext cx="7705637" cy="2410185"/>
           </a:xfrm>
           <a:prstGeom prst="rect">
             <a:avLst/>
@@ -5334,20 +5115,13 @@
     </p:spTree>
     <p:extLst>
       <p:ext uri="{BB962C8B-B14F-4D97-AF65-F5344CB8AC3E}">
-        <p14:creationId xmlns:p14="http://schemas.microsoft.com/office/powerpoint/2010/main" val="3134873068"/>
+        <p14:creationId xmlns:p14="http://schemas.microsoft.com/office/powerpoint/2010/main" val="1887150898"/>
       </p:ext>
     </p:extLst>
   </p:cSld>
   <p:clrMapOvr>
     <a:masterClrMapping/>
   </p:clrMapOvr>
-  <p:timing>
-    <p:tnLst>
-      <p:par>
-        <p:cTn id="1" dur="indefinite" restart="never" nodeType="tmRoot"/>
-      </p:par>
-    </p:tnLst>
-  </p:timing>
 </p:sld>
 </file>
 

--- a/자바심화PPT과제/자바심화 4강.pptx
+++ b/자바심화PPT과제/자바심화 4강.pptx
@@ -4139,9 +4139,44 @@
           <a:chExt cx="0" cy="0"/>
         </a:xfrm>
       </p:grpSpPr>
+      <p:sp>
+        <p:nvSpPr>
+          <p:cNvPr id="2" name="제목 1"/>
+          <p:cNvSpPr>
+            <a:spLocks noGrp="1"/>
+          </p:cNvSpPr>
+          <p:nvPr>
+            <p:ph type="title"/>
+          </p:nvPr>
+        </p:nvSpPr>
+        <p:spPr>
+          <a:xfrm>
+            <a:off x="1143000" y="609600"/>
+            <a:ext cx="9875520" cy="984738"/>
+          </a:xfrm>
+        </p:spPr>
+        <p:txBody>
+          <a:bodyPr>
+            <a:normAutofit/>
+          </a:bodyPr>
+          <a:lstStyle/>
+          <a:p>
+            <a:pPr algn="ctr"/>
+            <a:r>
+              <a:rPr lang="en-US" altLang="ko-KR" sz="4000" dirty="0" err="1" smtClean="0"/>
+              <a:t>Swich_case</a:t>
+            </a:r>
+            <a:r>
+              <a:rPr lang="ko-KR" altLang="en-US" sz="4000" dirty="0" smtClean="0"/>
+              <a:t>문 활용</a:t>
+            </a:r>
+            <a:endParaRPr lang="ko-KR" altLang="en-US" sz="4000" dirty="0"/>
+          </a:p>
+        </p:txBody>
+      </p:sp>
       <p:pic>
         <p:nvPicPr>
-          <p:cNvPr id="3" name="그림 2"/>
+          <p:cNvPr id="4" name="그림 3"/>
           <p:cNvPicPr>
             <a:picLocks noChangeAspect="1"/>
           </p:cNvPicPr>
@@ -4155,52 +4190,17 @@
         </p:blipFill>
         <p:spPr>
           <a:xfrm>
-            <a:off x="1143000" y="1594338"/>
-            <a:ext cx="9595338" cy="3522988"/>
+            <a:off x="1142999" y="5120852"/>
+            <a:ext cx="4859215" cy="1472056"/>
           </a:xfrm>
           <a:prstGeom prst="rect">
             <a:avLst/>
           </a:prstGeom>
         </p:spPr>
       </p:pic>
-      <p:sp>
-        <p:nvSpPr>
-          <p:cNvPr id="2" name="제목 1"/>
-          <p:cNvSpPr>
-            <a:spLocks noGrp="1"/>
-          </p:cNvSpPr>
-          <p:nvPr>
-            <p:ph type="title"/>
-          </p:nvPr>
-        </p:nvSpPr>
-        <p:spPr>
-          <a:xfrm>
-            <a:off x="1143000" y="609600"/>
-            <a:ext cx="9875520" cy="984738"/>
-          </a:xfrm>
-        </p:spPr>
-        <p:txBody>
-          <a:bodyPr>
-            <a:normAutofit/>
-          </a:bodyPr>
-          <a:lstStyle/>
-          <a:p>
-            <a:pPr algn="ctr"/>
-            <a:r>
-              <a:rPr lang="en-US" altLang="ko-KR" sz="4000" dirty="0" err="1" smtClean="0"/>
-              <a:t>Swich_case</a:t>
-            </a:r>
-            <a:r>
-              <a:rPr lang="ko-KR" altLang="en-US" sz="4000" dirty="0" smtClean="0"/>
-              <a:t>문 활용</a:t>
-            </a:r>
-            <a:endParaRPr lang="ko-KR" altLang="en-US" sz="4000" dirty="0"/>
-          </a:p>
-        </p:txBody>
-      </p:sp>
       <p:pic>
         <p:nvPicPr>
-          <p:cNvPr id="4" name="그림 3"/>
+          <p:cNvPr id="5" name="그림 4"/>
           <p:cNvPicPr>
             <a:picLocks noChangeAspect="1"/>
           </p:cNvPicPr>
@@ -4214,8 +4214,8 @@
         </p:blipFill>
         <p:spPr>
           <a:xfrm>
-            <a:off x="1142999" y="5120852"/>
-            <a:ext cx="4859215" cy="1472056"/>
+            <a:off x="976379" y="1594338"/>
+            <a:ext cx="10329931" cy="2930770"/>
           </a:xfrm>
           <a:prstGeom prst="rect">
             <a:avLst/>
@@ -4296,7 +4296,7 @@
       </p:sp>
       <p:pic>
         <p:nvPicPr>
-          <p:cNvPr id="5" name="그림 4"/>
+          <p:cNvPr id="6" name="그림 5"/>
           <p:cNvPicPr>
             <a:picLocks noChangeAspect="1"/>
           </p:cNvPicPr>
@@ -4310,8 +4310,8 @@
         </p:blipFill>
         <p:spPr>
           <a:xfrm>
-            <a:off x="416168" y="1781906"/>
-            <a:ext cx="9307321" cy="3634155"/>
+            <a:off x="9723489" y="1607488"/>
+            <a:ext cx="2152950" cy="4715533"/>
           </a:xfrm>
           <a:prstGeom prst="rect">
             <a:avLst/>
@@ -4320,7 +4320,7 @@
       </p:pic>
       <p:pic>
         <p:nvPicPr>
-          <p:cNvPr id="6" name="그림 5"/>
+          <p:cNvPr id="3" name="그림 2"/>
           <p:cNvPicPr>
             <a:picLocks noChangeAspect="1"/>
           </p:cNvPicPr>
@@ -4334,8 +4334,8 @@
         </p:blipFill>
         <p:spPr>
           <a:xfrm>
-            <a:off x="9723489" y="1607488"/>
-            <a:ext cx="2152950" cy="4715533"/>
+            <a:off x="532685" y="1607488"/>
+            <a:ext cx="9190804" cy="4220308"/>
           </a:xfrm>
           <a:prstGeom prst="rect">
             <a:avLst/>

--- a/자바심화PPT과제/자바심화 4강.pptx
+++ b/자바심화PPT과제/자바심화 4강.pptx
@@ -18,6 +18,9 @@
     <p:sldId id="282" r:id="rId12"/>
     <p:sldId id="283" r:id="rId13"/>
     <p:sldId id="284" r:id="rId14"/>
+    <p:sldId id="285" r:id="rId15"/>
+    <p:sldId id="287" r:id="rId16"/>
+    <p:sldId id="288" r:id="rId17"/>
   </p:sldIdLst>
   <p:sldSz cx="12192000" cy="6858000"/>
   <p:notesSz cx="6858000" cy="9144000"/>
@@ -336,7 +339,7 @@
             <a:fld id="{96DFF08F-DC6B-4601-B491-B0F83F6DD2DA}" type="datetimeFigureOut">
               <a:rPr lang="en-US" dirty="0"/>
               <a:pPr/>
-              <a:t>3/21/2023</a:t>
+              <a:t>3/22/2023</a:t>
             </a:fld>
             <a:endParaRPr lang="en-US" dirty="0"/>
           </a:p>
@@ -553,7 +556,7 @@
           <a:p>
             <a:fld id="{96DFF08F-DC6B-4601-B491-B0F83F6DD2DA}" type="datetimeFigureOut">
               <a:rPr lang="en-US" dirty="0"/>
-              <a:t>3/21/2023</a:t>
+              <a:t>3/22/2023</a:t>
             </a:fld>
             <a:endParaRPr lang="en-US" dirty="0"/>
           </a:p>
@@ -728,7 +731,7 @@
           <a:p>
             <a:fld id="{96DFF08F-DC6B-4601-B491-B0F83F6DD2DA}" type="datetimeFigureOut">
               <a:rPr lang="en-US" dirty="0"/>
-              <a:t>3/21/2023</a:t>
+              <a:t>3/22/2023</a:t>
             </a:fld>
             <a:endParaRPr lang="en-US" dirty="0"/>
           </a:p>
@@ -893,7 +896,7 @@
           <a:p>
             <a:fld id="{96DFF08F-DC6B-4601-B491-B0F83F6DD2DA}" type="datetimeFigureOut">
               <a:rPr lang="en-US" dirty="0"/>
-              <a:t>3/21/2023</a:t>
+              <a:t>3/22/2023</a:t>
             </a:fld>
             <a:endParaRPr lang="en-US" dirty="0"/>
           </a:p>
@@ -1162,7 +1165,7 @@
           <a:p>
             <a:fld id="{96DFF08F-DC6B-4601-B491-B0F83F6DD2DA}" type="datetimeFigureOut">
               <a:rPr lang="en-US" dirty="0"/>
-              <a:t>3/21/2023</a:t>
+              <a:t>3/22/2023</a:t>
             </a:fld>
             <a:endParaRPr lang="en-US" dirty="0"/>
           </a:p>
@@ -1480,7 +1483,7 @@
           <a:p>
             <a:fld id="{96DFF08F-DC6B-4601-B491-B0F83F6DD2DA}" type="datetimeFigureOut">
               <a:rPr lang="en-US" dirty="0"/>
-              <a:t>3/21/2023</a:t>
+              <a:t>3/22/2023</a:t>
             </a:fld>
             <a:endParaRPr lang="en-US" dirty="0"/>
           </a:p>
@@ -1899,7 +1902,7 @@
           <a:p>
             <a:fld id="{96DFF08F-DC6B-4601-B491-B0F83F6DD2DA}" type="datetimeFigureOut">
               <a:rPr lang="en-US" dirty="0"/>
-              <a:t>3/21/2023</a:t>
+              <a:t>3/22/2023</a:t>
             </a:fld>
             <a:endParaRPr lang="en-US" dirty="0"/>
           </a:p>
@@ -2012,7 +2015,7 @@
           <a:p>
             <a:fld id="{96DFF08F-DC6B-4601-B491-B0F83F6DD2DA}" type="datetimeFigureOut">
               <a:rPr lang="en-US" dirty="0"/>
-              <a:t>3/21/2023</a:t>
+              <a:t>3/22/2023</a:t>
             </a:fld>
             <a:endParaRPr lang="en-US" dirty="0"/>
           </a:p>
@@ -2102,7 +2105,7 @@
           <a:p>
             <a:fld id="{96DFF08F-DC6B-4601-B491-B0F83F6DD2DA}" type="datetimeFigureOut">
               <a:rPr lang="en-US" dirty="0"/>
-              <a:t>3/21/2023</a:t>
+              <a:t>3/22/2023</a:t>
             </a:fld>
             <a:endParaRPr lang="en-US" dirty="0"/>
           </a:p>
@@ -2387,7 +2390,7 @@
           <a:p>
             <a:fld id="{96DFF08F-DC6B-4601-B491-B0F83F6DD2DA}" type="datetimeFigureOut">
               <a:rPr lang="en-US" dirty="0"/>
-              <a:t>3/21/2023</a:t>
+              <a:t>3/22/2023</a:t>
             </a:fld>
             <a:endParaRPr lang="en-US" dirty="0"/>
           </a:p>
@@ -2654,7 +2657,7 @@
           <a:p>
             <a:fld id="{96DFF08F-DC6B-4601-B491-B0F83F6DD2DA}" type="datetimeFigureOut">
               <a:rPr lang="en-US" dirty="0"/>
-              <a:t>3/21/2023</a:t>
+              <a:t>3/22/2023</a:t>
             </a:fld>
             <a:endParaRPr lang="en-US" dirty="0"/>
           </a:p>
@@ -2904,7 +2907,7 @@
             <a:fld id="{96DFF08F-DC6B-4601-B491-B0F83F6DD2DA}" type="datetimeFigureOut">
               <a:rPr lang="en-US" dirty="0"/>
               <a:pPr/>
-              <a:t>3/21/2023</a:t>
+              <a:t>3/22/2023</a:t>
             </a:fld>
             <a:endParaRPr lang="en-US" dirty="0"/>
           </a:p>
@@ -3482,7 +3485,7 @@
                 <a:latin typeface="+mj-ea"/>
                 <a:ea typeface="+mj-ea"/>
               </a:rPr>
-              <a:t>2023.03.21</a:t>
+              <a:t>2023.03.21~03.22</a:t>
             </a:r>
           </a:p>
         </p:txBody>
@@ -3524,36 +3527,9 @@
           <a:chExt cx="0" cy="0"/>
         </a:xfrm>
       </p:grpSpPr>
-      <p:sp>
-        <p:nvSpPr>
-          <p:cNvPr id="2" name="제목 1"/>
-          <p:cNvSpPr>
-            <a:spLocks noGrp="1"/>
-          </p:cNvSpPr>
-          <p:nvPr>
-            <p:ph type="title"/>
-          </p:nvPr>
-        </p:nvSpPr>
-        <p:spPr>
-          <a:xfrm>
-            <a:off x="1143000" y="609600"/>
-            <a:ext cx="9875520" cy="984738"/>
-          </a:xfrm>
-        </p:spPr>
-        <p:txBody>
-          <a:bodyPr>
-            <a:normAutofit/>
-          </a:bodyPr>
-          <a:lstStyle/>
-          <a:p>
-            <a:pPr algn="ctr"/>
-            <a:endParaRPr lang="ko-KR" altLang="en-US" sz="4000" dirty="0"/>
-          </a:p>
-        </p:txBody>
-      </p:sp>
       <p:pic>
         <p:nvPicPr>
-          <p:cNvPr id="3" name="그림 2"/>
+          <p:cNvPr id="6" name="그림 5"/>
           <p:cNvPicPr>
             <a:picLocks noChangeAspect="1"/>
           </p:cNvPicPr>
@@ -3567,8 +3543,8 @@
         </p:blipFill>
         <p:spPr>
           <a:xfrm>
-            <a:off x="549513" y="426654"/>
-            <a:ext cx="10369043" cy="3839699"/>
+            <a:off x="464454" y="583657"/>
+            <a:ext cx="10039129" cy="3682695"/>
           </a:xfrm>
           <a:prstGeom prst="rect">
             <a:avLst/>
@@ -3715,7 +3691,7 @@
       </p:sp>
       <p:pic>
         <p:nvPicPr>
-          <p:cNvPr id="3" name="그림 2"/>
+          <p:cNvPr id="4" name="그림 3"/>
           <p:cNvPicPr>
             <a:picLocks noChangeAspect="1"/>
           </p:cNvPicPr>
@@ -3729,8 +3705,8 @@
         </p:blipFill>
         <p:spPr>
           <a:xfrm>
-            <a:off x="736543" y="609601"/>
-            <a:ext cx="8407457" cy="3237194"/>
+            <a:off x="736544" y="3846795"/>
+            <a:ext cx="1237727" cy="2600898"/>
           </a:xfrm>
           <a:prstGeom prst="rect">
             <a:avLst/>
@@ -3739,7 +3715,7 @@
       </p:pic>
       <p:pic>
         <p:nvPicPr>
-          <p:cNvPr id="4" name="그림 3"/>
+          <p:cNvPr id="5" name="그림 4"/>
           <p:cNvPicPr>
             <a:picLocks noChangeAspect="1"/>
           </p:cNvPicPr>
@@ -3753,8 +3729,8 @@
         </p:blipFill>
         <p:spPr>
           <a:xfrm>
-            <a:off x="736544" y="3846795"/>
-            <a:ext cx="1237727" cy="2600898"/>
+            <a:off x="1974271" y="3846795"/>
+            <a:ext cx="1190960" cy="2628619"/>
           </a:xfrm>
           <a:prstGeom prst="rect">
             <a:avLst/>
@@ -3763,7 +3739,7 @@
       </p:pic>
       <p:pic>
         <p:nvPicPr>
-          <p:cNvPr id="5" name="그림 4"/>
+          <p:cNvPr id="6" name="그림 5"/>
           <p:cNvPicPr>
             <a:picLocks noChangeAspect="1"/>
           </p:cNvPicPr>
@@ -3777,8 +3753,8 @@
         </p:blipFill>
         <p:spPr>
           <a:xfrm>
-            <a:off x="1974271" y="3846795"/>
-            <a:ext cx="1190960" cy="2628619"/>
+            <a:off x="3211998" y="3846796"/>
+            <a:ext cx="1360002" cy="2650704"/>
           </a:xfrm>
           <a:prstGeom prst="rect">
             <a:avLst/>
@@ -3787,7 +3763,7 @@
       </p:pic>
       <p:pic>
         <p:nvPicPr>
-          <p:cNvPr id="6" name="그림 5"/>
+          <p:cNvPr id="7" name="그림 6"/>
           <p:cNvPicPr>
             <a:picLocks noChangeAspect="1"/>
           </p:cNvPicPr>
@@ -3801,8 +3777,8 @@
         </p:blipFill>
         <p:spPr>
           <a:xfrm>
-            <a:off x="3211998" y="3846796"/>
-            <a:ext cx="1360002" cy="2650704"/>
+            <a:off x="4618767" y="3846795"/>
+            <a:ext cx="1313110" cy="2695788"/>
           </a:xfrm>
           <a:prstGeom prst="rect">
             <a:avLst/>
@@ -3811,7 +3787,7 @@
       </p:pic>
       <p:pic>
         <p:nvPicPr>
-          <p:cNvPr id="7" name="그림 6"/>
+          <p:cNvPr id="8" name="그림 7"/>
           <p:cNvPicPr>
             <a:picLocks noChangeAspect="1"/>
           </p:cNvPicPr>
@@ -3825,8 +3801,8 @@
         </p:blipFill>
         <p:spPr>
           <a:xfrm>
-            <a:off x="4618767" y="3846795"/>
-            <a:ext cx="1313110" cy="2695788"/>
+            <a:off x="5978644" y="3846796"/>
+            <a:ext cx="1233759" cy="2600898"/>
           </a:xfrm>
           <a:prstGeom prst="rect">
             <a:avLst/>
@@ -3835,7 +3811,7 @@
       </p:pic>
       <p:pic>
         <p:nvPicPr>
-          <p:cNvPr id="8" name="그림 7"/>
+          <p:cNvPr id="9" name="그림 8"/>
           <p:cNvPicPr>
             <a:picLocks noChangeAspect="1"/>
           </p:cNvPicPr>
@@ -3849,8 +3825,8 @@
         </p:blipFill>
         <p:spPr>
           <a:xfrm>
-            <a:off x="5978644" y="3846796"/>
-            <a:ext cx="1233759" cy="2600898"/>
+            <a:off x="7385288" y="3846795"/>
+            <a:ext cx="1313236" cy="2706330"/>
           </a:xfrm>
           <a:prstGeom prst="rect">
             <a:avLst/>
@@ -3859,7 +3835,7 @@
       </p:pic>
       <p:pic>
         <p:nvPicPr>
-          <p:cNvPr id="9" name="그림 8"/>
+          <p:cNvPr id="10" name="그림 9"/>
           <p:cNvPicPr>
             <a:picLocks noChangeAspect="1"/>
           </p:cNvPicPr>
@@ -3873,8 +3849,8 @@
         </p:blipFill>
         <p:spPr>
           <a:xfrm>
-            <a:off x="7385288" y="3846795"/>
-            <a:ext cx="1313236" cy="2706330"/>
+            <a:off x="755840" y="609600"/>
+            <a:ext cx="9268693" cy="3124636"/>
           </a:xfrm>
           <a:prstGeom prst="rect">
             <a:avLst/>
@@ -3947,7 +3923,7 @@
       </p:sp>
       <p:pic>
         <p:nvPicPr>
-          <p:cNvPr id="3" name="그림 2"/>
+          <p:cNvPr id="4" name="그림 3"/>
           <p:cNvPicPr>
             <a:picLocks noChangeAspect="1"/>
           </p:cNvPicPr>
@@ -3961,8 +3937,8 @@
         </p:blipFill>
         <p:spPr>
           <a:xfrm>
-            <a:off x="325753" y="311727"/>
-            <a:ext cx="7716811" cy="6252008"/>
+            <a:off x="7674073" y="311726"/>
+            <a:ext cx="3816169" cy="2909455"/>
           </a:xfrm>
           <a:prstGeom prst="rect">
             <a:avLst/>
@@ -3971,7 +3947,7 @@
       </p:pic>
       <p:pic>
         <p:nvPicPr>
-          <p:cNvPr id="4" name="그림 3"/>
+          <p:cNvPr id="6" name="그림 5"/>
           <p:cNvPicPr>
             <a:picLocks noChangeAspect="1"/>
           </p:cNvPicPr>
@@ -3985,8 +3961,32 @@
         </p:blipFill>
         <p:spPr>
           <a:xfrm>
-            <a:off x="8042563" y="311726"/>
-            <a:ext cx="3816169" cy="2909455"/>
+            <a:off x="671278" y="311726"/>
+            <a:ext cx="5310829" cy="4587820"/>
+          </a:xfrm>
+          <a:prstGeom prst="rect">
+            <a:avLst/>
+          </a:prstGeom>
+        </p:spPr>
+      </p:pic>
+      <p:pic>
+        <p:nvPicPr>
+          <p:cNvPr id="7" name="그림 6"/>
+          <p:cNvPicPr>
+            <a:picLocks noChangeAspect="1"/>
+          </p:cNvPicPr>
+          <p:nvPr/>
+        </p:nvPicPr>
+        <p:blipFill>
+          <a:blip r:embed="rId4"/>
+          <a:stretch>
+            <a:fillRect/>
+          </a:stretch>
+        </p:blipFill>
+        <p:spPr>
+          <a:xfrm>
+            <a:off x="671278" y="4793008"/>
+            <a:ext cx="5310829" cy="1839919"/>
           </a:xfrm>
           <a:prstGeom prst="rect">
             <a:avLst/>
@@ -4119,6 +4119,377 @@
   <p:clrMapOvr>
     <a:masterClrMapping/>
   </p:clrMapOvr>
+  <p:timing>
+    <p:tnLst>
+      <p:par>
+        <p:cTn id="1" dur="indefinite" restart="never" nodeType="tmRoot"/>
+      </p:par>
+    </p:tnLst>
+  </p:timing>
+</p:sld>
+</file>
+
+<file path=ppt/slides/slide14.xml><?xml version="1.0" encoding="utf-8"?>
+<p:sld xmlns:a="http://schemas.openxmlformats.org/drawingml/2006/main" xmlns:r="http://schemas.openxmlformats.org/officeDocument/2006/relationships" xmlns:p="http://schemas.openxmlformats.org/presentationml/2006/main">
+  <p:cSld>
+    <p:spTree>
+      <p:nvGrpSpPr>
+        <p:cNvPr id="1" name=""/>
+        <p:cNvGrpSpPr/>
+        <p:nvPr/>
+      </p:nvGrpSpPr>
+      <p:grpSpPr>
+        <a:xfrm>
+          <a:off x="0" y="0"/>
+          <a:ext cx="0" cy="0"/>
+          <a:chOff x="0" y="0"/>
+          <a:chExt cx="0" cy="0"/>
+        </a:xfrm>
+      </p:grpSpPr>
+      <p:sp>
+        <p:nvSpPr>
+          <p:cNvPr id="2" name="제목 1"/>
+          <p:cNvSpPr>
+            <a:spLocks noGrp="1"/>
+          </p:cNvSpPr>
+          <p:nvPr>
+            <p:ph type="title"/>
+          </p:nvPr>
+        </p:nvSpPr>
+        <p:spPr>
+          <a:xfrm>
+            <a:off x="1143000" y="609600"/>
+            <a:ext cx="9875520" cy="824753"/>
+          </a:xfrm>
+        </p:spPr>
+        <p:txBody>
+          <a:bodyPr>
+            <a:normAutofit/>
+          </a:bodyPr>
+          <a:lstStyle/>
+          <a:p>
+            <a:pPr algn="ctr"/>
+            <a:r>
+              <a:rPr lang="en-US" altLang="ko-KR" sz="4000" dirty="0" smtClean="0"/>
+              <a:t>Sin </a:t>
+            </a:r>
+            <a:r>
+              <a:rPr lang="ko-KR" altLang="en-US" sz="4000" dirty="0" smtClean="0"/>
+              <a:t>함수 그래프</a:t>
+            </a:r>
+            <a:endParaRPr lang="ko-KR" altLang="en-US" sz="4000" dirty="0"/>
+          </a:p>
+        </p:txBody>
+      </p:sp>
+      <p:pic>
+        <p:nvPicPr>
+          <p:cNvPr id="3" name="그림 2"/>
+          <p:cNvPicPr>
+            <a:picLocks noChangeAspect="1"/>
+          </p:cNvPicPr>
+          <p:nvPr/>
+        </p:nvPicPr>
+        <p:blipFill>
+          <a:blip r:embed="rId2"/>
+          <a:stretch>
+            <a:fillRect/>
+          </a:stretch>
+        </p:blipFill>
+        <p:spPr>
+          <a:xfrm>
+            <a:off x="563897" y="1284193"/>
+            <a:ext cx="8239444" cy="4094631"/>
+          </a:xfrm>
+          <a:prstGeom prst="rect">
+            <a:avLst/>
+          </a:prstGeom>
+        </p:spPr>
+      </p:pic>
+      <p:pic>
+        <p:nvPicPr>
+          <p:cNvPr id="4" name="그림 3"/>
+          <p:cNvPicPr>
+            <a:picLocks noChangeAspect="1"/>
+          </p:cNvPicPr>
+          <p:nvPr/>
+        </p:nvPicPr>
+        <p:blipFill>
+          <a:blip r:embed="rId3"/>
+          <a:stretch>
+            <a:fillRect/>
+          </a:stretch>
+        </p:blipFill>
+        <p:spPr>
+          <a:xfrm>
+            <a:off x="9076815" y="609600"/>
+            <a:ext cx="1144030" cy="5853953"/>
+          </a:xfrm>
+          <a:prstGeom prst="rect">
+            <a:avLst/>
+          </a:prstGeom>
+        </p:spPr>
+      </p:pic>
+      <p:pic>
+        <p:nvPicPr>
+          <p:cNvPr id="5" name="그림 4"/>
+          <p:cNvPicPr>
+            <a:picLocks noChangeAspect="1"/>
+          </p:cNvPicPr>
+          <p:nvPr/>
+        </p:nvPicPr>
+        <p:blipFill>
+          <a:blip r:embed="rId4"/>
+          <a:stretch>
+            <a:fillRect/>
+          </a:stretch>
+        </p:blipFill>
+        <p:spPr>
+          <a:xfrm>
+            <a:off x="10220845" y="609600"/>
+            <a:ext cx="1595349" cy="5853952"/>
+          </a:xfrm>
+          <a:prstGeom prst="rect">
+            <a:avLst/>
+          </a:prstGeom>
+        </p:spPr>
+      </p:pic>
+    </p:spTree>
+    <p:extLst>
+      <p:ext uri="{BB962C8B-B14F-4D97-AF65-F5344CB8AC3E}">
+        <p14:creationId xmlns:p14="http://schemas.microsoft.com/office/powerpoint/2010/main" val="3276874702"/>
+      </p:ext>
+    </p:extLst>
+  </p:cSld>
+  <p:clrMapOvr>
+    <a:masterClrMapping/>
+  </p:clrMapOvr>
+  <p:timing>
+    <p:tnLst>
+      <p:par>
+        <p:cTn id="1" dur="indefinite" restart="never" nodeType="tmRoot"/>
+      </p:par>
+    </p:tnLst>
+  </p:timing>
+</p:sld>
+</file>
+
+<file path=ppt/slides/slide15.xml><?xml version="1.0" encoding="utf-8"?>
+<p:sld xmlns:a="http://schemas.openxmlformats.org/drawingml/2006/main" xmlns:r="http://schemas.openxmlformats.org/officeDocument/2006/relationships" xmlns:p="http://schemas.openxmlformats.org/presentationml/2006/main">
+  <p:cSld>
+    <p:spTree>
+      <p:nvGrpSpPr>
+        <p:cNvPr id="1" name=""/>
+        <p:cNvGrpSpPr/>
+        <p:nvPr/>
+      </p:nvGrpSpPr>
+      <p:grpSpPr>
+        <a:xfrm>
+          <a:off x="0" y="0"/>
+          <a:ext cx="0" cy="0"/>
+          <a:chOff x="0" y="0"/>
+          <a:chExt cx="0" cy="0"/>
+        </a:xfrm>
+      </p:grpSpPr>
+      <p:sp>
+        <p:nvSpPr>
+          <p:cNvPr id="2" name="제목 1"/>
+          <p:cNvSpPr>
+            <a:spLocks noGrp="1"/>
+          </p:cNvSpPr>
+          <p:nvPr>
+            <p:ph type="title"/>
+          </p:nvPr>
+        </p:nvSpPr>
+        <p:spPr>
+          <a:xfrm>
+            <a:off x="1143000" y="609600"/>
+            <a:ext cx="9875520" cy="914400"/>
+          </a:xfrm>
+        </p:spPr>
+        <p:txBody>
+          <a:bodyPr>
+            <a:normAutofit/>
+          </a:bodyPr>
+          <a:lstStyle/>
+          <a:p>
+            <a:pPr algn="ctr"/>
+            <a:r>
+              <a:rPr lang="ko-KR" altLang="en-US" sz="4000" dirty="0" smtClean="0"/>
+              <a:t>피라미드 </a:t>
+            </a:r>
+            <a:r>
+              <a:rPr lang="ko-KR" altLang="en-US" sz="4000" dirty="0" err="1" smtClean="0"/>
+              <a:t>별찍기</a:t>
+            </a:r>
+            <a:endParaRPr lang="ko-KR" altLang="en-US" sz="4000" dirty="0"/>
+          </a:p>
+        </p:txBody>
+      </p:sp>
+      <p:pic>
+        <p:nvPicPr>
+          <p:cNvPr id="3" name="그림 2"/>
+          <p:cNvPicPr>
+            <a:picLocks noChangeAspect="1"/>
+          </p:cNvPicPr>
+          <p:nvPr/>
+        </p:nvPicPr>
+        <p:blipFill>
+          <a:blip r:embed="rId2"/>
+          <a:stretch>
+            <a:fillRect/>
+          </a:stretch>
+        </p:blipFill>
+        <p:spPr>
+          <a:xfrm>
+            <a:off x="497676" y="1846728"/>
+            <a:ext cx="8350159" cy="4012701"/>
+          </a:xfrm>
+          <a:prstGeom prst="rect">
+            <a:avLst/>
+          </a:prstGeom>
+        </p:spPr>
+      </p:pic>
+      <p:pic>
+        <p:nvPicPr>
+          <p:cNvPr id="4" name="그림 3"/>
+          <p:cNvPicPr>
+            <a:picLocks noChangeAspect="1"/>
+          </p:cNvPicPr>
+          <p:nvPr/>
+        </p:nvPicPr>
+        <p:blipFill>
+          <a:blip r:embed="rId3"/>
+          <a:stretch>
+            <a:fillRect/>
+          </a:stretch>
+        </p:blipFill>
+        <p:spPr>
+          <a:xfrm>
+            <a:off x="8847835" y="1846728"/>
+            <a:ext cx="2934109" cy="3172268"/>
+          </a:xfrm>
+          <a:prstGeom prst="rect">
+            <a:avLst/>
+          </a:prstGeom>
+        </p:spPr>
+      </p:pic>
+    </p:spTree>
+    <p:extLst>
+      <p:ext uri="{BB962C8B-B14F-4D97-AF65-F5344CB8AC3E}">
+        <p14:creationId xmlns:p14="http://schemas.microsoft.com/office/powerpoint/2010/main" val="379622969"/>
+      </p:ext>
+    </p:extLst>
+  </p:cSld>
+  <p:clrMapOvr>
+    <a:masterClrMapping/>
+  </p:clrMapOvr>
+</p:sld>
+</file>
+
+<file path=ppt/slides/slide16.xml><?xml version="1.0" encoding="utf-8"?>
+<p:sld xmlns:a="http://schemas.openxmlformats.org/drawingml/2006/main" xmlns:r="http://schemas.openxmlformats.org/officeDocument/2006/relationships" xmlns:p="http://schemas.openxmlformats.org/presentationml/2006/main">
+  <p:cSld>
+    <p:spTree>
+      <p:nvGrpSpPr>
+        <p:cNvPr id="1" name=""/>
+        <p:cNvGrpSpPr/>
+        <p:nvPr/>
+      </p:nvGrpSpPr>
+      <p:grpSpPr>
+        <a:xfrm>
+          <a:off x="0" y="0"/>
+          <a:ext cx="0" cy="0"/>
+          <a:chOff x="0" y="0"/>
+          <a:chExt cx="0" cy="0"/>
+        </a:xfrm>
+      </p:grpSpPr>
+      <p:sp>
+        <p:nvSpPr>
+          <p:cNvPr id="2" name="제목 1"/>
+          <p:cNvSpPr>
+            <a:spLocks noGrp="1"/>
+          </p:cNvSpPr>
+          <p:nvPr>
+            <p:ph type="title"/>
+          </p:nvPr>
+        </p:nvSpPr>
+        <p:spPr>
+          <a:xfrm>
+            <a:off x="1143000" y="609600"/>
+            <a:ext cx="9875520" cy="842682"/>
+          </a:xfrm>
+        </p:spPr>
+        <p:txBody>
+          <a:bodyPr/>
+          <a:lstStyle/>
+          <a:p>
+            <a:pPr algn="ctr"/>
+            <a:r>
+              <a:rPr lang="ko-KR" altLang="en-US" dirty="0" smtClean="0"/>
+              <a:t>칸 맞추기 연습</a:t>
+            </a:r>
+            <a:endParaRPr lang="ko-KR" altLang="en-US" dirty="0"/>
+          </a:p>
+        </p:txBody>
+      </p:sp>
+      <p:pic>
+        <p:nvPicPr>
+          <p:cNvPr id="3" name="그림 2"/>
+          <p:cNvPicPr>
+            <a:picLocks noChangeAspect="1"/>
+          </p:cNvPicPr>
+          <p:nvPr/>
+        </p:nvPicPr>
+        <p:blipFill>
+          <a:blip r:embed="rId2"/>
+          <a:stretch>
+            <a:fillRect/>
+          </a:stretch>
+        </p:blipFill>
+        <p:spPr>
+          <a:xfrm>
+            <a:off x="691373" y="1452282"/>
+            <a:ext cx="10778774" cy="3486938"/>
+          </a:xfrm>
+          <a:prstGeom prst="rect">
+            <a:avLst/>
+          </a:prstGeom>
+        </p:spPr>
+      </p:pic>
+      <p:pic>
+        <p:nvPicPr>
+          <p:cNvPr id="4" name="그림 3"/>
+          <p:cNvPicPr>
+            <a:picLocks noChangeAspect="1"/>
+          </p:cNvPicPr>
+          <p:nvPr/>
+        </p:nvPicPr>
+        <p:blipFill>
+          <a:blip r:embed="rId3"/>
+          <a:stretch>
+            <a:fillRect/>
+          </a:stretch>
+        </p:blipFill>
+        <p:spPr>
+          <a:xfrm>
+            <a:off x="691373" y="4687613"/>
+            <a:ext cx="6838980" cy="1882156"/>
+          </a:xfrm>
+          <a:prstGeom prst="rect">
+            <a:avLst/>
+          </a:prstGeom>
+        </p:spPr>
+      </p:pic>
+    </p:spTree>
+    <p:extLst>
+      <p:ext uri="{BB962C8B-B14F-4D97-AF65-F5344CB8AC3E}">
+        <p14:creationId xmlns:p14="http://schemas.microsoft.com/office/powerpoint/2010/main" val="1161754447"/>
+      </p:ext>
+    </p:extLst>
+  </p:cSld>
+  <p:clrMapOvr>
+    <a:masterClrMapping/>
+  </p:clrMapOvr>
 </p:sld>
 </file>
 
@@ -4663,7 +5034,7 @@
       </p:sp>
       <p:pic>
         <p:nvPicPr>
-          <p:cNvPr id="3" name="그림 2"/>
+          <p:cNvPr id="4" name="그림 3"/>
           <p:cNvPicPr>
             <a:picLocks noChangeAspect="1"/>
           </p:cNvPicPr>
@@ -4677,8 +5048,8 @@
         </p:blipFill>
         <p:spPr>
           <a:xfrm>
-            <a:off x="483441" y="2154278"/>
-            <a:ext cx="8252294" cy="3355568"/>
+            <a:off x="8567642" y="1594338"/>
+            <a:ext cx="1601447" cy="5019783"/>
           </a:xfrm>
           <a:prstGeom prst="rect">
             <a:avLst/>
@@ -4687,7 +5058,7 @@
       </p:pic>
       <p:pic>
         <p:nvPicPr>
-          <p:cNvPr id="4" name="그림 3"/>
+          <p:cNvPr id="5" name="그림 4"/>
           <p:cNvPicPr>
             <a:picLocks noChangeAspect="1"/>
           </p:cNvPicPr>
@@ -4701,8 +5072,8 @@
         </p:blipFill>
         <p:spPr>
           <a:xfrm>
-            <a:off x="8567642" y="1594338"/>
-            <a:ext cx="1601447" cy="5019783"/>
+            <a:off x="10319563" y="1594338"/>
+            <a:ext cx="1397914" cy="5019783"/>
           </a:xfrm>
           <a:prstGeom prst="rect">
             <a:avLst/>
@@ -4711,7 +5082,7 @@
       </p:pic>
       <p:pic>
         <p:nvPicPr>
-          <p:cNvPr id="5" name="그림 4"/>
+          <p:cNvPr id="7" name="그림 6"/>
           <p:cNvPicPr>
             <a:picLocks noChangeAspect="1"/>
           </p:cNvPicPr>
@@ -4725,8 +5096,8 @@
         </p:blipFill>
         <p:spPr>
           <a:xfrm>
-            <a:off x="10319563" y="1594338"/>
-            <a:ext cx="1397914" cy="5019783"/>
+            <a:off x="444043" y="1594337"/>
+            <a:ext cx="7978828" cy="4027529"/>
           </a:xfrm>
           <a:prstGeom prst="rect">
             <a:avLst/>
